--- a/Project.pptx
+++ b/Project.pptx
@@ -3077,7 +3077,7 @@
         <p:spPr>
           <a:xfrm>
             <a:off x="0" y="1628800"/>
-            <a:ext cx="9144000" cy="523220"/>
+            <a:ext cx="9144000" cy="954107"/>
           </a:xfrm>
           <a:prstGeom prst="rect">
             <a:avLst/>
@@ -3093,15 +3093,82 @@
             <a:pPr algn="ctr"/>
             <a:r>
               <a:rPr lang="en-US" altLang="ko-KR" sz="2800" dirty="0" smtClean="0">
-                <a:latin typeface="HY견고딕" pitchFamily="18" charset="-127"/>
-                <a:ea typeface="HY견고딕" pitchFamily="18" charset="-127"/>
+                <a:latin typeface="Arial Unicode MS" pitchFamily="50" charset="-127"/>
+                <a:ea typeface="Arial Unicode MS" pitchFamily="50" charset="-127"/>
                 <a:cs typeface="Arial Unicode MS" pitchFamily="50" charset="-127"/>
               </a:rPr>
-              <a:t>Python</a:t>
-            </a:r>
-            <a:endParaRPr lang="ko-KR" altLang="en-US" dirty="0">
-              <a:latin typeface="Arial Unicode MS" pitchFamily="50" charset="-127"/>
-              <a:ea typeface="Arial Unicode MS" pitchFamily="50" charset="-127"/>
+              <a:t>Machine Learning</a:t>
+            </a:r>
+            <a:r>
+              <a:rPr lang="ko-KR" altLang="en-US" sz="2800" dirty="0" smtClean="0">
+                <a:latin typeface="Arial Unicode MS" pitchFamily="50" charset="-127"/>
+                <a:ea typeface="Arial Unicode MS" pitchFamily="50" charset="-127"/>
+                <a:cs typeface="Arial Unicode MS" pitchFamily="50" charset="-127"/>
+              </a:rPr>
+              <a:t>을 활용한</a:t>
+            </a:r>
+            <a:r>
+              <a:rPr lang="en-US" altLang="ko-KR" sz="2800" b="1" dirty="0" smtClean="0">
+                <a:latin typeface="Arial Unicode MS" pitchFamily="50" charset="-127"/>
+                <a:ea typeface="Arial Unicode MS" pitchFamily="50" charset="-127"/>
+                <a:cs typeface="Arial Unicode MS" pitchFamily="50" charset="-127"/>
+              </a:rPr>
+              <a:t> </a:t>
+            </a:r>
+          </a:p>
+          <a:p>
+            <a:pPr algn="ctr"/>
+            <a:r>
+              <a:rPr lang="en-US" altLang="ko-KR" sz="2800" b="1" dirty="0" smtClean="0">
+                <a:latin typeface="Arial Unicode MS" pitchFamily="50" charset="-127"/>
+                <a:ea typeface="Arial Unicode MS" pitchFamily="50" charset="-127"/>
+                <a:cs typeface="Arial Unicode MS" pitchFamily="50" charset="-127"/>
+              </a:rPr>
+              <a:t>Melbourne</a:t>
+            </a:r>
+            <a:r>
+              <a:rPr lang="ko-KR" altLang="en-US" sz="2800" b="1" dirty="0" smtClean="0">
+                <a:latin typeface="Arial Unicode MS" pitchFamily="50" charset="-127"/>
+                <a:ea typeface="Arial Unicode MS" pitchFamily="50" charset="-127"/>
+                <a:cs typeface="Arial Unicode MS" pitchFamily="50" charset="-127"/>
+              </a:rPr>
+              <a:t> </a:t>
+            </a:r>
+            <a:r>
+              <a:rPr lang="en-US" altLang="ko-KR" sz="2800" b="1" dirty="0" smtClean="0">
+                <a:latin typeface="Arial Unicode MS" pitchFamily="50" charset="-127"/>
+                <a:ea typeface="Arial Unicode MS" pitchFamily="50" charset="-127"/>
+                <a:cs typeface="Arial Unicode MS" pitchFamily="50" charset="-127"/>
+              </a:rPr>
+              <a:t>Housing </a:t>
+            </a:r>
+            <a:r>
+              <a:rPr lang="en-US" altLang="ko-KR" sz="2800" b="1" dirty="0" smtClean="0">
+                <a:latin typeface="Arial Unicode MS" pitchFamily="50" charset="-127"/>
+                <a:ea typeface="Arial Unicode MS" pitchFamily="50" charset="-127"/>
+                <a:cs typeface="Arial Unicode MS" pitchFamily="50" charset="-127"/>
+              </a:rPr>
+              <a:t>Market Data</a:t>
+            </a:r>
+            <a:r>
+              <a:rPr lang="ko-KR" altLang="en-US" sz="2800" b="1" dirty="0" smtClean="0">
+                <a:latin typeface="Arial Unicode MS" pitchFamily="50" charset="-127"/>
+                <a:ea typeface="Arial Unicode MS" pitchFamily="50" charset="-127"/>
+                <a:cs typeface="Arial Unicode MS" pitchFamily="50" charset="-127"/>
+              </a:rPr>
+              <a:t> </a:t>
+            </a:r>
+            <a:r>
+              <a:rPr lang="ko-KR" altLang="en-US" sz="2800" b="1" dirty="0" smtClean="0">
+                <a:latin typeface="Arial Unicode MS" pitchFamily="50" charset="-127"/>
+                <a:ea typeface="Arial Unicode MS" pitchFamily="50" charset="-127"/>
+                <a:cs typeface="Arial Unicode MS" pitchFamily="50" charset="-127"/>
+              </a:rPr>
+              <a:t>분석</a:t>
+            </a:r>
+            <a:endParaRPr lang="ko-KR" altLang="en-US" b="1" dirty="0">
+              <a:latin typeface="HY견고딕" pitchFamily="18" charset="-127"/>
+              <a:ea typeface="HY견고딕" pitchFamily="18" charset="-127"/>
               <a:cs typeface="Arial Unicode MS" pitchFamily="50" charset="-127"/>
             </a:endParaRPr>
           </a:p>
@@ -3359,6 +3426,43 @@
           </a:p>
         </p:txBody>
       </p:sp>
+      <p:cxnSp>
+        <p:nvCxnSpPr>
+          <p:cNvPr id="9" name="직선 연결선 8"/>
+          <p:cNvCxnSpPr/>
+          <p:nvPr/>
+        </p:nvCxnSpPr>
+        <p:spPr>
+          <a:xfrm>
+            <a:off x="1403648" y="2708920"/>
+            <a:ext cx="6480720" cy="0"/>
+          </a:xfrm>
+          <a:prstGeom prst="line">
+            <a:avLst/>
+          </a:prstGeom>
+          <a:ln w="19050">
+            <a:solidFill>
+              <a:schemeClr val="bg1">
+                <a:lumMod val="50000"/>
+              </a:schemeClr>
+            </a:solidFill>
+          </a:ln>
+        </p:spPr>
+        <p:style>
+          <a:lnRef idx="1">
+            <a:schemeClr val="accent1"/>
+          </a:lnRef>
+          <a:fillRef idx="0">
+            <a:schemeClr val="accent1"/>
+          </a:fillRef>
+          <a:effectRef idx="0">
+            <a:schemeClr val="accent1"/>
+          </a:effectRef>
+          <a:fontRef idx="minor">
+            <a:schemeClr val="tx1"/>
+          </a:fontRef>
+        </p:style>
+      </p:cxnSp>
     </p:spTree>
   </p:cSld>
   <p:clrMapOvr>
@@ -3465,8 +3569,8 @@
         </p:nvSpPr>
         <p:spPr>
           <a:xfrm>
-            <a:off x="251520" y="3933056"/>
-            <a:ext cx="8568952" cy="2304256"/>
+            <a:off x="395536" y="4005064"/>
+            <a:ext cx="8424936" cy="2232248"/>
           </a:xfrm>
           <a:prstGeom prst="rect">
             <a:avLst/>
@@ -3500,6 +3604,163 @@
           <a:bodyPr rtlCol="0" anchor="ctr"/>
           <a:lstStyle/>
           <a:p>
+            <a:endParaRPr lang="en-US" altLang="ko-KR" sz="1400" dirty="0" smtClean="0">
+              <a:solidFill>
+                <a:schemeClr val="tx1"/>
+              </a:solidFill>
+              <a:latin typeface="HY그래픽M" pitchFamily="18" charset="-127"/>
+              <a:ea typeface="HY그래픽M" pitchFamily="18" charset="-127"/>
+            </a:endParaRPr>
+          </a:p>
+          <a:p>
+            <a:pPr>
+              <a:buFont typeface="Arial" pitchFamily="34" charset="0"/>
+              <a:buChar char="•"/>
+            </a:pPr>
+            <a:r>
+              <a:rPr lang="ko-KR" altLang="en-US" sz="1400" dirty="0" smtClean="0">
+                <a:solidFill>
+                  <a:schemeClr val="tx1"/>
+                </a:solidFill>
+                <a:latin typeface="HY그래픽M" pitchFamily="18" charset="-127"/>
+                <a:ea typeface="HY그래픽M" pitchFamily="18" charset="-127"/>
+              </a:rPr>
+              <a:t>  </a:t>
+            </a:r>
+            <a:r>
+              <a:rPr lang="ko-KR" altLang="en-US" sz="1400" dirty="0" err="1" smtClean="0">
+                <a:solidFill>
+                  <a:schemeClr val="tx1"/>
+                </a:solidFill>
+                <a:latin typeface="HY그래픽M" pitchFamily="18" charset="-127"/>
+                <a:ea typeface="HY그래픽M" pitchFamily="18" charset="-127"/>
+              </a:rPr>
+              <a:t>결측치가</a:t>
+            </a:r>
+            <a:r>
+              <a:rPr lang="ko-KR" altLang="en-US" sz="1400" dirty="0" smtClean="0">
+                <a:solidFill>
+                  <a:schemeClr val="tx1"/>
+                </a:solidFill>
+                <a:latin typeface="HY그래픽M" pitchFamily="18" charset="-127"/>
+                <a:ea typeface="HY그래픽M" pitchFamily="18" charset="-127"/>
+              </a:rPr>
+              <a:t> 많은 변수 및 </a:t>
+            </a:r>
+            <a:r>
+              <a:rPr lang="ko-KR" altLang="en-US" sz="1400" dirty="0" err="1" smtClean="0">
+                <a:solidFill>
+                  <a:schemeClr val="tx1"/>
+                </a:solidFill>
+                <a:latin typeface="HY그래픽M" pitchFamily="18" charset="-127"/>
+                <a:ea typeface="HY그래픽M" pitchFamily="18" charset="-127"/>
+              </a:rPr>
+              <a:t>결측치를</a:t>
+            </a:r>
+            <a:r>
+              <a:rPr lang="ko-KR" altLang="en-US" sz="1400" dirty="0" smtClean="0">
+                <a:solidFill>
+                  <a:schemeClr val="tx1"/>
+                </a:solidFill>
+                <a:latin typeface="HY그래픽M" pitchFamily="18" charset="-127"/>
+                <a:ea typeface="HY그래픽M" pitchFamily="18" charset="-127"/>
+              </a:rPr>
+              <a:t> 포함한 데이터 처리 방법 </a:t>
+            </a:r>
+            <a:r>
+              <a:rPr lang="en-US" altLang="ko-KR" sz="1400" dirty="0" smtClean="0">
+                <a:solidFill>
+                  <a:schemeClr val="tx1"/>
+                </a:solidFill>
+                <a:latin typeface="HY그래픽M" pitchFamily="18" charset="-127"/>
+                <a:ea typeface="HY그래픽M" pitchFamily="18" charset="-127"/>
+              </a:rPr>
+              <a:t>(imputation </a:t>
+            </a:r>
+            <a:r>
+              <a:rPr lang="ko-KR" altLang="en-US" sz="1400" dirty="0" smtClean="0">
+                <a:solidFill>
+                  <a:schemeClr val="tx1"/>
+                </a:solidFill>
+                <a:latin typeface="HY그래픽M" pitchFamily="18" charset="-127"/>
+                <a:ea typeface="HY그래픽M" pitchFamily="18" charset="-127"/>
+              </a:rPr>
+              <a:t>등</a:t>
+            </a:r>
+            <a:r>
+              <a:rPr lang="en-US" altLang="ko-KR" sz="1400" dirty="0" smtClean="0">
+                <a:solidFill>
+                  <a:schemeClr val="tx1"/>
+                </a:solidFill>
+                <a:latin typeface="HY그래픽M" pitchFamily="18" charset="-127"/>
+                <a:ea typeface="HY그래픽M" pitchFamily="18" charset="-127"/>
+              </a:rPr>
+              <a:t>)</a:t>
+            </a:r>
+          </a:p>
+          <a:p>
+            <a:endParaRPr lang="en-US" altLang="ko-KR" sz="1400" dirty="0" smtClean="0">
+              <a:solidFill>
+                <a:schemeClr val="tx1"/>
+              </a:solidFill>
+              <a:latin typeface="HY그래픽M" pitchFamily="18" charset="-127"/>
+              <a:ea typeface="HY그래픽M" pitchFamily="18" charset="-127"/>
+            </a:endParaRPr>
+          </a:p>
+          <a:p>
+            <a:pPr>
+              <a:buFont typeface="Arial" pitchFamily="34" charset="0"/>
+              <a:buChar char="•"/>
+            </a:pPr>
+            <a:r>
+              <a:rPr lang="en-US" altLang="ko-KR" sz="1400" dirty="0" smtClean="0">
+                <a:solidFill>
+                  <a:schemeClr val="tx1"/>
+                </a:solidFill>
+                <a:latin typeface="HY그래픽M" pitchFamily="18" charset="-127"/>
+                <a:ea typeface="HY그래픽M" pitchFamily="18" charset="-127"/>
+              </a:rPr>
+              <a:t> </a:t>
+            </a:r>
+            <a:r>
+              <a:rPr lang="en-US" altLang="ko-KR" sz="1400" dirty="0" smtClean="0">
+                <a:solidFill>
+                  <a:schemeClr val="tx1"/>
+                </a:solidFill>
+                <a:latin typeface="HY그래픽M" pitchFamily="18" charset="-127"/>
+                <a:ea typeface="HY그래픽M" pitchFamily="18" charset="-127"/>
+              </a:rPr>
+              <a:t> </a:t>
+            </a:r>
+            <a:r>
+              <a:rPr lang="ko-KR" altLang="en-US" sz="1400" dirty="0" smtClean="0">
+                <a:solidFill>
+                  <a:schemeClr val="tx1"/>
+                </a:solidFill>
+                <a:latin typeface="HY그래픽M" pitchFamily="18" charset="-127"/>
+                <a:ea typeface="HY그래픽M" pitchFamily="18" charset="-127"/>
+              </a:rPr>
+              <a:t>유의미한 </a:t>
+            </a:r>
+            <a:r>
+              <a:rPr lang="ko-KR" altLang="en-US" sz="1400" dirty="0" smtClean="0">
+                <a:solidFill>
+                  <a:schemeClr val="tx1"/>
+                </a:solidFill>
+                <a:latin typeface="HY그래픽M" pitchFamily="18" charset="-127"/>
+                <a:ea typeface="HY그래픽M" pitchFamily="18" charset="-127"/>
+              </a:rPr>
+              <a:t>파생변수의 생성 </a:t>
+            </a:r>
+            <a:endParaRPr lang="en-US" altLang="ko-KR" sz="1400" dirty="0" smtClean="0">
+              <a:solidFill>
+                <a:schemeClr val="tx1"/>
+              </a:solidFill>
+              <a:latin typeface="HY그래픽M" pitchFamily="18" charset="-127"/>
+              <a:ea typeface="HY그래픽M" pitchFamily="18" charset="-127"/>
+            </a:endParaRPr>
+          </a:p>
+          <a:p>
             <a:pPr>
               <a:buFont typeface="Arial" pitchFamily="34" charset="0"/>
               <a:buChar char="•"/>
@@ -3517,6 +3778,36 @@
               <a:buFont typeface="Arial" pitchFamily="34" charset="0"/>
               <a:buChar char="•"/>
             </a:pPr>
+            <a:r>
+              <a:rPr lang="en-US" altLang="ko-KR" sz="1400" dirty="0" smtClean="0">
+                <a:solidFill>
+                  <a:schemeClr val="tx1"/>
+                </a:solidFill>
+                <a:latin typeface="HY그래픽M" pitchFamily="18" charset="-127"/>
+                <a:ea typeface="HY그래픽M" pitchFamily="18" charset="-127"/>
+              </a:rPr>
+              <a:t>  SVM</a:t>
+            </a:r>
+            <a:r>
+              <a:rPr lang="ko-KR" altLang="en-US" sz="1400" dirty="0" smtClean="0">
+                <a:solidFill>
+                  <a:schemeClr val="tx1"/>
+                </a:solidFill>
+                <a:latin typeface="HY그래픽M" pitchFamily="18" charset="-127"/>
+                <a:ea typeface="HY그래픽M" pitchFamily="18" charset="-127"/>
+              </a:rPr>
+              <a:t>에서 </a:t>
+            </a:r>
+            <a:r>
+              <a:rPr lang="ko-KR" altLang="en-US" sz="1400" dirty="0" smtClean="0">
+                <a:solidFill>
+                  <a:schemeClr val="tx1"/>
+                </a:solidFill>
+                <a:latin typeface="HY그래픽M" pitchFamily="18" charset="-127"/>
+                <a:ea typeface="HY그래픽M" pitchFamily="18" charset="-127"/>
+              </a:rPr>
+              <a:t>다양한 커널 사용</a:t>
+            </a:r>
             <a:endParaRPr lang="en-US" altLang="ko-KR" sz="1400" dirty="0" smtClean="0">
               <a:solidFill>
                 <a:schemeClr val="tx1"/>
@@ -3543,19 +3834,6 @@
               <a:buFont typeface="Arial" pitchFamily="34" charset="0"/>
               <a:buChar char="•"/>
             </a:pPr>
-            <a:endParaRPr lang="en-US" altLang="ko-KR" sz="1400" dirty="0" smtClean="0">
-              <a:solidFill>
-                <a:schemeClr val="tx1"/>
-              </a:solidFill>
-              <a:latin typeface="HY그래픽M" pitchFamily="18" charset="-127"/>
-              <a:ea typeface="HY그래픽M" pitchFamily="18" charset="-127"/>
-            </a:endParaRPr>
-          </a:p>
-          <a:p>
-            <a:pPr>
-              <a:buFont typeface="Arial" pitchFamily="34" charset="0"/>
-              <a:buChar char="•"/>
-            </a:pPr>
             <a:r>
               <a:rPr lang="en-US" altLang="ko-KR" sz="1400" dirty="0" smtClean="0">
                 <a:solidFill>
@@ -3567,16 +3845,6 @@
               <a:t>  </a:t>
             </a:r>
             <a:r>
-              <a:rPr lang="en-US" altLang="ko-KR" sz="1400" dirty="0" smtClean="0">
-                <a:solidFill>
-                  <a:schemeClr val="tx1"/>
-                </a:solidFill>
-                <a:latin typeface="HY그래픽M" pitchFamily="18" charset="-127"/>
-                <a:ea typeface="HY그래픽M" pitchFamily="18" charset="-127"/>
-              </a:rPr>
-              <a:t>Decision Tree</a:t>
-            </a:r>
-            <a:r>
               <a:rPr lang="ko-KR" altLang="en-US" sz="1400" dirty="0" smtClean="0">
                 <a:solidFill>
                   <a:schemeClr val="tx1"/>
@@ -3584,274 +3852,8 @@
                 <a:latin typeface="HY그래픽M" pitchFamily="18" charset="-127"/>
                 <a:ea typeface="HY그래픽M" pitchFamily="18" charset="-127"/>
               </a:rPr>
-              <a:t>를 통해 구분된 그룹별로 각각 </a:t>
-            </a:r>
-            <a:r>
-              <a:rPr lang="en-US" altLang="ko-KR" sz="1400" dirty="0" smtClean="0">
-                <a:solidFill>
-                  <a:schemeClr val="tx1"/>
-                </a:solidFill>
-                <a:latin typeface="HY그래픽M" pitchFamily="18" charset="-127"/>
-                <a:ea typeface="HY그래픽M" pitchFamily="18" charset="-127"/>
-              </a:rPr>
-              <a:t>Regression</a:t>
-            </a:r>
-            <a:r>
-              <a:rPr lang="ko-KR" altLang="en-US" sz="1400" dirty="0" smtClean="0">
-                <a:solidFill>
-                  <a:schemeClr val="tx1"/>
-                </a:solidFill>
-                <a:latin typeface="HY그래픽M" pitchFamily="18" charset="-127"/>
-                <a:ea typeface="HY그래픽M" pitchFamily="18" charset="-127"/>
-              </a:rPr>
-              <a:t>을 이용하여 분석을 </a:t>
-            </a:r>
-            <a:r>
-              <a:rPr lang="ko-KR" altLang="en-US" sz="1400" dirty="0" smtClean="0">
-                <a:solidFill>
-                  <a:schemeClr val="tx1"/>
-                </a:solidFill>
-                <a:latin typeface="HY그래픽M" pitchFamily="18" charset="-127"/>
-                <a:ea typeface="HY그래픽M" pitchFamily="18" charset="-127"/>
-              </a:rPr>
-              <a:t>함</a:t>
-            </a:r>
-            <a:endParaRPr lang="en-US" altLang="ko-KR" sz="1400" dirty="0" smtClean="0">
-              <a:solidFill>
-                <a:schemeClr val="tx1"/>
-              </a:solidFill>
-              <a:latin typeface="HY그래픽M" pitchFamily="18" charset="-127"/>
-              <a:ea typeface="HY그래픽M" pitchFamily="18" charset="-127"/>
-            </a:endParaRPr>
-          </a:p>
-          <a:p>
-            <a:pPr>
-              <a:buFont typeface="Arial" pitchFamily="34" charset="0"/>
-              <a:buChar char="•"/>
-            </a:pPr>
-            <a:endParaRPr lang="en-US" altLang="ko-KR" sz="1400" dirty="0" smtClean="0">
-              <a:solidFill>
-                <a:schemeClr val="tx1"/>
-              </a:solidFill>
-              <a:latin typeface="HY그래픽M" pitchFamily="18" charset="-127"/>
-              <a:ea typeface="HY그래픽M" pitchFamily="18" charset="-127"/>
-            </a:endParaRPr>
-          </a:p>
-          <a:p>
-            <a:pPr>
-              <a:buFont typeface="Arial" pitchFamily="34" charset="0"/>
-              <a:buChar char="•"/>
-            </a:pPr>
-            <a:r>
-              <a:rPr lang="en-US" altLang="ko-KR" sz="1400" dirty="0" smtClean="0">
-                <a:solidFill>
-                  <a:schemeClr val="tx1"/>
-                </a:solidFill>
-                <a:latin typeface="HY그래픽M" pitchFamily="18" charset="-127"/>
-                <a:ea typeface="HY그래픽M" pitchFamily="18" charset="-127"/>
-              </a:rPr>
-              <a:t> </a:t>
-            </a:r>
-            <a:r>
-              <a:rPr lang="en-US" altLang="ko-KR" sz="1400" dirty="0" smtClean="0">
-                <a:solidFill>
-                  <a:schemeClr val="tx1"/>
-                </a:solidFill>
-                <a:latin typeface="HY그래픽M" pitchFamily="18" charset="-127"/>
-                <a:ea typeface="HY그래픽M" pitchFamily="18" charset="-127"/>
-              </a:rPr>
-              <a:t> </a:t>
-            </a:r>
-            <a:r>
-              <a:rPr lang="ko-KR" altLang="en-US" sz="1400" dirty="0" smtClean="0">
-                <a:solidFill>
-                  <a:schemeClr val="tx1"/>
-                </a:solidFill>
-                <a:latin typeface="HY그래픽M" pitchFamily="18" charset="-127"/>
-                <a:ea typeface="HY그래픽M" pitchFamily="18" charset="-127"/>
-              </a:rPr>
-              <a:t>상대적으로 </a:t>
-            </a:r>
-            <a:r>
-              <a:rPr lang="en-US" altLang="ko-KR" sz="1400" dirty="0" smtClean="0">
-                <a:solidFill>
-                  <a:schemeClr val="tx1"/>
-                </a:solidFill>
-                <a:latin typeface="HY그래픽M" pitchFamily="18" charset="-127"/>
-                <a:ea typeface="HY그래픽M" pitchFamily="18" charset="-127"/>
-              </a:rPr>
-              <a:t>Price</a:t>
-            </a:r>
-            <a:r>
-              <a:rPr lang="ko-KR" altLang="en-US" sz="1400" dirty="0" smtClean="0">
-                <a:solidFill>
-                  <a:schemeClr val="tx1"/>
-                </a:solidFill>
-                <a:latin typeface="HY그래픽M" pitchFamily="18" charset="-127"/>
-                <a:ea typeface="HY그래픽M" pitchFamily="18" charset="-127"/>
-              </a:rPr>
-              <a:t>가 낮은 </a:t>
-            </a:r>
-            <a:r>
-              <a:rPr lang="ko-KR" altLang="en-US" sz="1400" dirty="0" smtClean="0">
-                <a:solidFill>
-                  <a:schemeClr val="tx1"/>
-                </a:solidFill>
-                <a:latin typeface="HY그래픽M" pitchFamily="18" charset="-127"/>
-                <a:ea typeface="HY그래픽M" pitchFamily="18" charset="-127"/>
-              </a:rPr>
-              <a:t>변수들이 포함 된 </a:t>
-            </a:r>
-            <a:r>
-              <a:rPr lang="en-US" altLang="ko-KR" sz="1400" dirty="0" smtClean="0">
-                <a:solidFill>
-                  <a:schemeClr val="tx1"/>
-                </a:solidFill>
-                <a:latin typeface="HY그래픽M" pitchFamily="18" charset="-127"/>
-                <a:ea typeface="HY그래픽M" pitchFamily="18" charset="-127"/>
-              </a:rPr>
-              <a:t>group B</a:t>
-            </a:r>
-            <a:r>
-              <a:rPr lang="ko-KR" altLang="en-US" sz="1400" dirty="0" smtClean="0">
-                <a:solidFill>
-                  <a:schemeClr val="tx1"/>
-                </a:solidFill>
-                <a:latin typeface="HY그래픽M" pitchFamily="18" charset="-127"/>
-                <a:ea typeface="HY그래픽M" pitchFamily="18" charset="-127"/>
-              </a:rPr>
-              <a:t>의 경우 예측률이 가장 높았음</a:t>
-            </a:r>
-            <a:endParaRPr lang="en-US" altLang="ko-KR" sz="1400" dirty="0" smtClean="0">
-              <a:solidFill>
-                <a:schemeClr val="tx1"/>
-              </a:solidFill>
-              <a:latin typeface="HY그래픽M" pitchFamily="18" charset="-127"/>
-              <a:ea typeface="HY그래픽M" pitchFamily="18" charset="-127"/>
-            </a:endParaRPr>
-          </a:p>
-          <a:p>
-            <a:pPr>
-              <a:buFont typeface="Arial" pitchFamily="34" charset="0"/>
-              <a:buChar char="•"/>
-            </a:pPr>
-            <a:endParaRPr lang="en-US" altLang="ko-KR" sz="1400" dirty="0" smtClean="0">
-              <a:solidFill>
-                <a:schemeClr val="tx1"/>
-              </a:solidFill>
-              <a:latin typeface="HY그래픽M" pitchFamily="18" charset="-127"/>
-              <a:ea typeface="HY그래픽M" pitchFamily="18" charset="-127"/>
-            </a:endParaRPr>
-          </a:p>
-          <a:p>
-            <a:pPr>
-              <a:buFont typeface="Arial" pitchFamily="34" charset="0"/>
-              <a:buChar char="•"/>
-            </a:pPr>
-            <a:endParaRPr lang="en-US" altLang="ko-KR" sz="1400" dirty="0" smtClean="0">
-              <a:solidFill>
-                <a:schemeClr val="tx1"/>
-              </a:solidFill>
-              <a:latin typeface="HY그래픽M" pitchFamily="18" charset="-127"/>
-              <a:ea typeface="HY그래픽M" pitchFamily="18" charset="-127"/>
-            </a:endParaRPr>
-          </a:p>
-          <a:p>
-            <a:pPr>
-              <a:buFont typeface="Arial" pitchFamily="34" charset="0"/>
-              <a:buChar char="•"/>
-            </a:pPr>
-            <a:endParaRPr lang="en-US" altLang="ko-KR" sz="1400" dirty="0" smtClean="0">
-              <a:solidFill>
-                <a:schemeClr val="tx1"/>
-              </a:solidFill>
-              <a:latin typeface="HY그래픽M" pitchFamily="18" charset="-127"/>
-              <a:ea typeface="HY그래픽M" pitchFamily="18" charset="-127"/>
-            </a:endParaRPr>
-          </a:p>
-          <a:p>
-            <a:pPr>
-              <a:buFont typeface="Arial" pitchFamily="34" charset="0"/>
-              <a:buChar char="•"/>
-            </a:pPr>
-            <a:endParaRPr lang="en-US" altLang="ko-KR" sz="1400" dirty="0" smtClean="0">
-              <a:solidFill>
-                <a:schemeClr val="tx1"/>
-              </a:solidFill>
-              <a:latin typeface="HY그래픽M" pitchFamily="18" charset="-127"/>
-              <a:ea typeface="HY그래픽M" pitchFamily="18" charset="-127"/>
-            </a:endParaRPr>
-          </a:p>
-          <a:p>
-            <a:pPr>
-              <a:buFont typeface="Arial" pitchFamily="34" charset="0"/>
-              <a:buChar char="•"/>
-            </a:pPr>
-            <a:endParaRPr lang="en-US" altLang="ko-KR" sz="1400" dirty="0" smtClean="0">
-              <a:solidFill>
-                <a:schemeClr val="tx1"/>
-              </a:solidFill>
-              <a:latin typeface="HY그래픽M" pitchFamily="18" charset="-127"/>
-              <a:ea typeface="HY그래픽M" pitchFamily="18" charset="-127"/>
-            </a:endParaRPr>
-          </a:p>
-          <a:p>
-            <a:pPr>
-              <a:buFont typeface="Arial" pitchFamily="34" charset="0"/>
-              <a:buChar char="•"/>
-            </a:pPr>
-            <a:endParaRPr lang="en-US" altLang="ko-KR" sz="1400" dirty="0" smtClean="0">
-              <a:solidFill>
-                <a:schemeClr val="tx1"/>
-              </a:solidFill>
-              <a:latin typeface="HY그래픽M" pitchFamily="18" charset="-127"/>
-              <a:ea typeface="HY그래픽M" pitchFamily="18" charset="-127"/>
-            </a:endParaRPr>
-          </a:p>
-          <a:p>
-            <a:pPr>
-              <a:buFont typeface="Arial" pitchFamily="34" charset="0"/>
-              <a:buChar char="•"/>
-            </a:pPr>
-            <a:endParaRPr lang="en-US" altLang="ko-KR" sz="1400" dirty="0" smtClean="0">
-              <a:solidFill>
-                <a:schemeClr val="tx1"/>
-              </a:solidFill>
-              <a:latin typeface="HY그래픽M" pitchFamily="18" charset="-127"/>
-              <a:ea typeface="HY그래픽M" pitchFamily="18" charset="-127"/>
-            </a:endParaRPr>
-          </a:p>
-          <a:p>
-            <a:pPr>
-              <a:buFont typeface="Arial" pitchFamily="34" charset="0"/>
-              <a:buChar char="•"/>
-            </a:pPr>
-            <a:endParaRPr lang="en-US" altLang="ko-KR" sz="1400" dirty="0" smtClean="0">
-              <a:solidFill>
-                <a:schemeClr val="tx1"/>
-              </a:solidFill>
-              <a:latin typeface="HY그래픽M" pitchFamily="18" charset="-127"/>
-              <a:ea typeface="HY그래픽M" pitchFamily="18" charset="-127"/>
-            </a:endParaRPr>
-          </a:p>
-          <a:p>
-            <a:pPr>
-              <a:buFont typeface="Arial" pitchFamily="34" charset="0"/>
-              <a:buChar char="•"/>
-            </a:pPr>
-            <a:endParaRPr lang="en-US" altLang="ko-KR" sz="1400" dirty="0" smtClean="0">
-              <a:solidFill>
-                <a:schemeClr val="tx1"/>
-              </a:solidFill>
-              <a:latin typeface="HY그래픽M" pitchFamily="18" charset="-127"/>
-              <a:ea typeface="HY그래픽M" pitchFamily="18" charset="-127"/>
-            </a:endParaRPr>
-          </a:p>
-          <a:p>
-            <a:pPr>
-              <a:buFont typeface="Arial" pitchFamily="34" charset="0"/>
-              <a:buChar char="•"/>
-            </a:pPr>
+              <a:t>다양한 회귀분석 모델의 적용</a:t>
+            </a:r>
             <a:endParaRPr lang="en-US" altLang="ko-KR" sz="1400" dirty="0" smtClean="0">
               <a:solidFill>
                 <a:schemeClr val="tx1"/>
@@ -3875,15 +3877,15 @@
       </p:sp>
       <p:graphicFrame>
         <p:nvGraphicFramePr>
-          <p:cNvPr id="6" name="표 5"/>
+          <p:cNvPr id="7" name="표 6"/>
           <p:cNvGraphicFramePr>
             <a:graphicFrameLocks noGrp="1"/>
           </p:cNvGraphicFramePr>
           <p:nvPr/>
         </p:nvGraphicFramePr>
         <p:xfrm>
-          <a:off x="6588224" y="1916832"/>
-          <a:ext cx="2376264" cy="1966406"/>
+          <a:off x="611560" y="1412776"/>
+          <a:ext cx="3312368" cy="1728192"/>
         </p:xfrm>
         <a:graphic>
           <a:graphicData uri="http://schemas.openxmlformats.org/drawingml/2006/table">
@@ -3892,12 +3894,489 @@
                 <a:tableStyleId>{5C22544A-7EE6-4342-B048-85BDC9FD1C3A}</a:tableStyleId>
               </a:tblPr>
               <a:tblGrid>
-                <a:gridCol w="504056"/>
-                <a:gridCol w="936104"/>
-                <a:gridCol w="936104"/>
+                <a:gridCol w="924278"/>
+                <a:gridCol w="1194045"/>
+                <a:gridCol w="1194045"/>
               </a:tblGrid>
-              <a:tr h="388843">
+              <a:tr h="631418">
                 <a:tc>
+                  <a:txBody>
+                    <a:bodyPr/>
+                    <a:lstStyle/>
+                    <a:p>
+                      <a:pPr latinLnBrk="1"/>
+                      <a:endParaRPr lang="ko-KR" altLang="en-US" sz="1300" dirty="0">
+                        <a:latin typeface="HY그래픽M" pitchFamily="18" charset="-127"/>
+                        <a:ea typeface="HY그래픽M" pitchFamily="18" charset="-127"/>
+                      </a:endParaRPr>
+                    </a:p>
+                  </a:txBody>
+                  <a:tcPr>
+                    <a:solidFill>
+                      <a:schemeClr val="bg1">
+                        <a:lumMod val="65000"/>
+                      </a:schemeClr>
+                    </a:solidFill>
+                  </a:tcPr>
+                </a:tc>
+                <a:tc>
+                  <a:txBody>
+                    <a:bodyPr/>
+                    <a:lstStyle/>
+                    <a:p>
+                      <a:pPr latinLnBrk="1"/>
+                      <a:r>
+                        <a:rPr lang="en-US" altLang="ko-KR" sz="1300" dirty="0" smtClean="0">
+                          <a:latin typeface="HY그래픽M" pitchFamily="18" charset="-127"/>
+                          <a:ea typeface="HY그래픽M" pitchFamily="18" charset="-127"/>
+                        </a:rPr>
+                        <a:t>Random</a:t>
+                      </a:r>
+                    </a:p>
+                    <a:p>
+                      <a:pPr latinLnBrk="1"/>
+                      <a:r>
+                        <a:rPr lang="en-US" altLang="ko-KR" sz="1300" dirty="0" smtClean="0">
+                          <a:latin typeface="HY그래픽M" pitchFamily="18" charset="-127"/>
+                          <a:ea typeface="HY그래픽M" pitchFamily="18" charset="-127"/>
+                        </a:rPr>
+                        <a:t>Forest</a:t>
+                      </a:r>
+                      <a:endParaRPr lang="ko-KR" altLang="en-US" sz="1300" dirty="0">
+                        <a:latin typeface="HY그래픽M" pitchFamily="18" charset="-127"/>
+                        <a:ea typeface="HY그래픽M" pitchFamily="18" charset="-127"/>
+                      </a:endParaRPr>
+                    </a:p>
+                  </a:txBody>
+                  <a:tcPr>
+                    <a:solidFill>
+                      <a:schemeClr val="bg1">
+                        <a:lumMod val="65000"/>
+                      </a:schemeClr>
+                    </a:solidFill>
+                  </a:tcPr>
+                </a:tc>
+                <a:tc>
+                  <a:txBody>
+                    <a:bodyPr/>
+                    <a:lstStyle/>
+                    <a:p>
+                      <a:pPr latinLnBrk="1"/>
+                      <a:r>
+                        <a:rPr lang="en-US" altLang="ko-KR" sz="1200" dirty="0" smtClean="0">
+                          <a:latin typeface="HY그래픽M" pitchFamily="18" charset="-127"/>
+                          <a:ea typeface="HY그래픽M" pitchFamily="18" charset="-127"/>
+                        </a:rPr>
+                        <a:t>SVM</a:t>
+                      </a:r>
+                      <a:endParaRPr lang="ko-KR" altLang="en-US" sz="1200" dirty="0">
+                        <a:latin typeface="HY그래픽M" pitchFamily="18" charset="-127"/>
+                        <a:ea typeface="HY그래픽M" pitchFamily="18" charset="-127"/>
+                      </a:endParaRPr>
+                    </a:p>
+                  </a:txBody>
+                  <a:tcPr>
+                    <a:solidFill>
+                      <a:schemeClr val="bg1">
+                        <a:lumMod val="65000"/>
+                      </a:schemeClr>
+                    </a:solidFill>
+                  </a:tcPr>
+                </a:tc>
+              </a:tr>
+              <a:tr h="481441">
+                <a:tc>
+                  <a:txBody>
+                    <a:bodyPr/>
+                    <a:lstStyle/>
+                    <a:p>
+                      <a:pPr latinLnBrk="1"/>
+                      <a:r>
+                        <a:rPr lang="en-US" altLang="ko-KR" sz="1300" b="1" dirty="0" smtClean="0">
+                          <a:latin typeface="HY그래픽M" pitchFamily="18" charset="-127"/>
+                          <a:ea typeface="HY그래픽M" pitchFamily="18" charset="-127"/>
+                        </a:rPr>
+                        <a:t>RMSE</a:t>
+                      </a:r>
+                      <a:endParaRPr lang="ko-KR" altLang="en-US" sz="1300" b="1" dirty="0">
+                        <a:latin typeface="HY그래픽M" pitchFamily="18" charset="-127"/>
+                        <a:ea typeface="HY그래픽M" pitchFamily="18" charset="-127"/>
+                      </a:endParaRPr>
+                    </a:p>
+                  </a:txBody>
+                  <a:tcPr>
+                    <a:solidFill>
+                      <a:schemeClr val="bg1">
+                        <a:lumMod val="65000"/>
+                      </a:schemeClr>
+                    </a:solidFill>
+                  </a:tcPr>
+                </a:tc>
+                <a:tc>
+                  <a:txBody>
+                    <a:bodyPr/>
+                    <a:lstStyle/>
+                    <a:p>
+                      <a:pPr latinLnBrk="1"/>
+                      <a:r>
+                        <a:rPr lang="en-US" altLang="ko-KR" sz="1300" dirty="0" smtClean="0">
+                          <a:latin typeface="HY그래픽M" pitchFamily="18" charset="-127"/>
+                          <a:ea typeface="HY그래픽M" pitchFamily="18" charset="-127"/>
+                        </a:rPr>
+                        <a:t>576,756</a:t>
+                      </a:r>
+                      <a:endParaRPr lang="ko-KR" altLang="en-US" sz="1300" dirty="0">
+                        <a:latin typeface="HY그래픽M" pitchFamily="18" charset="-127"/>
+                        <a:ea typeface="HY그래픽M" pitchFamily="18" charset="-127"/>
+                      </a:endParaRPr>
+                    </a:p>
+                  </a:txBody>
+                  <a:tcPr>
+                    <a:solidFill>
+                      <a:schemeClr val="bg1">
+                        <a:lumMod val="85000"/>
+                      </a:schemeClr>
+                    </a:solidFill>
+                  </a:tcPr>
+                </a:tc>
+                <a:tc>
+                  <a:txBody>
+                    <a:bodyPr/>
+                    <a:lstStyle/>
+                    <a:p>
+                      <a:pPr latinLnBrk="1"/>
+                      <a:r>
+                        <a:rPr lang="en-US" altLang="ko-KR" sz="1200" dirty="0" smtClean="0">
+                          <a:latin typeface="HY그래픽M" pitchFamily="18" charset="-127"/>
+                          <a:ea typeface="HY그래픽M" pitchFamily="18" charset="-127"/>
+                        </a:rPr>
+                        <a:t>395,452</a:t>
+                      </a:r>
+                      <a:endParaRPr lang="ko-KR" altLang="en-US" sz="1200" dirty="0">
+                        <a:latin typeface="HY그래픽M" pitchFamily="18" charset="-127"/>
+                        <a:ea typeface="HY그래픽M" pitchFamily="18" charset="-127"/>
+                      </a:endParaRPr>
+                    </a:p>
+                  </a:txBody>
+                  <a:tcPr>
+                    <a:solidFill>
+                      <a:schemeClr val="bg1">
+                        <a:lumMod val="85000"/>
+                      </a:schemeClr>
+                    </a:solidFill>
+                  </a:tcPr>
+                </a:tc>
+              </a:tr>
+              <a:tr h="615333">
+                <a:tc>
+                  <a:txBody>
+                    <a:bodyPr/>
+                    <a:lstStyle/>
+                    <a:p>
+                      <a:pPr latinLnBrk="1"/>
+                      <a:r>
+                        <a:rPr lang="en-US" altLang="ko-KR" sz="1300" b="1" dirty="0" smtClean="0">
+                          <a:latin typeface="HY그래픽M" pitchFamily="18" charset="-127"/>
+                          <a:ea typeface="HY그래픽M" pitchFamily="18" charset="-127"/>
+                        </a:rPr>
+                        <a:t>Prediction</a:t>
+                      </a:r>
+                      <a:r>
+                        <a:rPr lang="en-US" altLang="ko-KR" sz="1300" b="1" baseline="0" dirty="0" smtClean="0">
+                          <a:latin typeface="HY그래픽M" pitchFamily="18" charset="-127"/>
+                          <a:ea typeface="HY그래픽M" pitchFamily="18" charset="-127"/>
+                        </a:rPr>
+                        <a:t> Error</a:t>
+                      </a:r>
+                      <a:endParaRPr lang="ko-KR" altLang="en-US" sz="1300" b="1" dirty="0">
+                        <a:latin typeface="HY그래픽M" pitchFamily="18" charset="-127"/>
+                        <a:ea typeface="HY그래픽M" pitchFamily="18" charset="-127"/>
+                      </a:endParaRPr>
+                    </a:p>
+                  </a:txBody>
+                  <a:tcPr>
+                    <a:solidFill>
+                      <a:schemeClr val="bg1">
+                        <a:lumMod val="65000"/>
+                      </a:schemeClr>
+                    </a:solidFill>
+                  </a:tcPr>
+                </a:tc>
+                <a:tc>
+                  <a:txBody>
+                    <a:bodyPr/>
+                    <a:lstStyle/>
+                    <a:p>
+                      <a:pPr latinLnBrk="1"/>
+                      <a:r>
+                        <a:rPr lang="en-US" altLang="ko-KR" sz="1300" dirty="0" smtClean="0">
+                          <a:latin typeface="HY그래픽M" pitchFamily="18" charset="-127"/>
+                          <a:ea typeface="HY그래픽M" pitchFamily="18" charset="-127"/>
+                        </a:rPr>
+                        <a:t>0.269</a:t>
+                      </a:r>
+                      <a:endParaRPr lang="ko-KR" altLang="en-US" sz="1300" dirty="0">
+                        <a:latin typeface="HY그래픽M" pitchFamily="18" charset="-127"/>
+                        <a:ea typeface="HY그래픽M" pitchFamily="18" charset="-127"/>
+                      </a:endParaRPr>
+                    </a:p>
+                  </a:txBody>
+                  <a:tcPr>
+                    <a:solidFill>
+                      <a:schemeClr val="bg1">
+                        <a:lumMod val="85000"/>
+                      </a:schemeClr>
+                    </a:solidFill>
+                  </a:tcPr>
+                </a:tc>
+                <a:tc>
+                  <a:txBody>
+                    <a:bodyPr/>
+                    <a:lstStyle/>
+                    <a:p>
+                      <a:pPr latinLnBrk="1"/>
+                      <a:r>
+                        <a:rPr lang="en-US" altLang="ko-KR" sz="1200" dirty="0" smtClean="0">
+                          <a:latin typeface="HY그래픽M" pitchFamily="18" charset="-127"/>
+                          <a:ea typeface="HY그래픽M" pitchFamily="18" charset="-127"/>
+                        </a:rPr>
+                        <a:t>0.187</a:t>
+                      </a:r>
+                      <a:endParaRPr lang="ko-KR" altLang="en-US" sz="1200" dirty="0">
+                        <a:latin typeface="HY그래픽M" pitchFamily="18" charset="-127"/>
+                        <a:ea typeface="HY그래픽M" pitchFamily="18" charset="-127"/>
+                      </a:endParaRPr>
+                    </a:p>
+                  </a:txBody>
+                  <a:tcPr>
+                    <a:solidFill>
+                      <a:schemeClr val="bg1">
+                        <a:lumMod val="85000"/>
+                      </a:schemeClr>
+                    </a:solidFill>
+                  </a:tcPr>
+                </a:tc>
+              </a:tr>
+            </a:tbl>
+          </a:graphicData>
+        </a:graphic>
+      </p:graphicFrame>
+      <p:sp>
+        <p:nvSpPr>
+          <p:cNvPr id="12" name="TextBox 11"/>
+          <p:cNvSpPr txBox="1"/>
+          <p:nvPr/>
+        </p:nvSpPr>
+        <p:spPr>
+          <a:xfrm>
+            <a:off x="251520" y="44624"/>
+            <a:ext cx="8568952" cy="430887"/>
+          </a:xfrm>
+          <a:prstGeom prst="rect">
+            <a:avLst/>
+          </a:prstGeom>
+          <a:noFill/>
+        </p:spPr>
+        <p:txBody>
+          <a:bodyPr wrap="square" rtlCol="0">
+            <a:spAutoFit/>
+          </a:bodyPr>
+          <a:lstStyle/>
+          <a:p>
+            <a:r>
+              <a:rPr lang="en-US" altLang="ko-KR" sz="2200" dirty="0">
+                <a:latin typeface="HY견고딕" pitchFamily="18" charset="-127"/>
+                <a:ea typeface="HY견고딕" pitchFamily="18" charset="-127"/>
+              </a:rPr>
+              <a:t>4</a:t>
+            </a:r>
+            <a:r>
+              <a:rPr lang="en-US" altLang="ko-KR" sz="2200" dirty="0" smtClean="0">
+                <a:latin typeface="HY견고딕" pitchFamily="18" charset="-127"/>
+                <a:ea typeface="HY견고딕" pitchFamily="18" charset="-127"/>
+              </a:rPr>
+              <a:t>. </a:t>
+            </a:r>
+            <a:r>
+              <a:rPr lang="en-US" altLang="ko-KR" sz="2200" dirty="0" smtClean="0">
+                <a:latin typeface="HY견고딕" pitchFamily="18" charset="-127"/>
+                <a:ea typeface="HY견고딕" pitchFamily="18" charset="-127"/>
+              </a:rPr>
+              <a:t>Summary </a:t>
+            </a:r>
+            <a:endParaRPr lang="ko-KR" altLang="en-US" dirty="0">
+              <a:latin typeface="HY견고딕" pitchFamily="18" charset="-127"/>
+              <a:ea typeface="HY견고딕" pitchFamily="18" charset="-127"/>
+            </a:endParaRPr>
+          </a:p>
+        </p:txBody>
+      </p:sp>
+      <p:graphicFrame>
+        <p:nvGraphicFramePr>
+          <p:cNvPr id="13" name="표 12"/>
+          <p:cNvGraphicFramePr>
+            <a:graphicFrameLocks noGrp="1"/>
+          </p:cNvGraphicFramePr>
+          <p:nvPr/>
+        </p:nvGraphicFramePr>
+        <p:xfrm>
+          <a:off x="4139952" y="1412777"/>
+          <a:ext cx="4176462" cy="1707460"/>
+        </p:xfrm>
+        <a:graphic>
+          <a:graphicData uri="http://schemas.openxmlformats.org/drawingml/2006/table">
+            <a:tbl>
+              <a:tblPr firstRow="1" bandRow="1">
+                <a:tableStyleId>{5C22544A-7EE6-4342-B048-85BDC9FD1C3A}</a:tableStyleId>
+              </a:tblPr>
+              <a:tblGrid>
+                <a:gridCol w="783086"/>
+                <a:gridCol w="848344"/>
+                <a:gridCol w="848344"/>
+                <a:gridCol w="848344"/>
+                <a:gridCol w="848344"/>
+              </a:tblGrid>
+              <a:tr h="393837">
+                <a:tc rowSpan="2">
+                  <a:txBody>
+                    <a:bodyPr/>
+                    <a:lstStyle/>
+                    <a:p>
+                      <a:pPr latinLnBrk="1"/>
+                      <a:endParaRPr lang="ko-KR" altLang="en-US" sz="1100" dirty="0">
+                        <a:latin typeface="HY그래픽M" pitchFamily="18" charset="-127"/>
+                        <a:ea typeface="HY그래픽M" pitchFamily="18" charset="-127"/>
+                      </a:endParaRPr>
+                    </a:p>
+                  </a:txBody>
+                  <a:tcPr>
+                    <a:solidFill>
+                      <a:schemeClr val="bg1">
+                        <a:lumMod val="65000"/>
+                      </a:schemeClr>
+                    </a:solidFill>
+                  </a:tcPr>
+                </a:tc>
+                <a:tc gridSpan="4">
+                  <a:txBody>
+                    <a:bodyPr/>
+                    <a:lstStyle/>
+                    <a:p>
+                      <a:pPr marL="0" marR="0" indent="0" algn="l" defTabSz="914400" rtl="0" eaLnBrk="1" fontAlgn="auto" latinLnBrk="1" hangingPunct="1">
+                        <a:lnSpc>
+                          <a:spcPct val="100000"/>
+                        </a:lnSpc>
+                        <a:spcBef>
+                          <a:spcPts val="0"/>
+                        </a:spcBef>
+                        <a:spcAft>
+                          <a:spcPts val="0"/>
+                        </a:spcAft>
+                        <a:buClrTx/>
+                        <a:buSzTx/>
+                        <a:buFontTx/>
+                        <a:buNone/>
+                        <a:tabLst/>
+                        <a:defRPr/>
+                      </a:pPr>
+                      <a:r>
+                        <a:rPr lang="en-US" altLang="ko-KR" sz="1200" b="1" dirty="0" smtClean="0">
+                          <a:latin typeface="HY그래픽M" pitchFamily="18" charset="-127"/>
+                          <a:ea typeface="HY그래픽M" pitchFamily="18" charset="-127"/>
+                        </a:rPr>
+                        <a:t>Decision</a:t>
+                      </a:r>
+                      <a:r>
+                        <a:rPr lang="en-US" altLang="ko-KR" sz="1200" b="1" baseline="0" dirty="0" smtClean="0">
+                          <a:latin typeface="HY그래픽M" pitchFamily="18" charset="-127"/>
+                          <a:ea typeface="HY그래픽M" pitchFamily="18" charset="-127"/>
+                        </a:rPr>
+                        <a:t> Tree + Regression</a:t>
+                      </a:r>
+                      <a:endParaRPr lang="ko-KR" altLang="en-US" sz="1200" b="1" dirty="0" smtClean="0">
+                        <a:latin typeface="HY그래픽M" pitchFamily="18" charset="-127"/>
+                        <a:ea typeface="HY그래픽M" pitchFamily="18" charset="-127"/>
+                      </a:endParaRPr>
+                    </a:p>
+                    <a:p>
+                      <a:pPr latinLnBrk="1"/>
+                      <a:endParaRPr lang="ko-KR" altLang="en-US" sz="1100" b="1" dirty="0">
+                        <a:latin typeface="HY그래픽M" pitchFamily="18" charset="-127"/>
+                        <a:ea typeface="HY그래픽M" pitchFamily="18" charset="-127"/>
+                      </a:endParaRPr>
+                    </a:p>
+                  </a:txBody>
+                  <a:tcPr>
+                    <a:solidFill>
+                      <a:schemeClr val="bg1">
+                        <a:lumMod val="65000"/>
+                      </a:schemeClr>
+                    </a:solidFill>
+                  </a:tcPr>
+                </a:tc>
+                <a:tc hMerge="1">
+                  <a:txBody>
+                    <a:bodyPr/>
+                    <a:lstStyle/>
+                    <a:p>
+                      <a:pPr latinLnBrk="1"/>
+                      <a:endParaRPr lang="ko-KR" altLang="en-US" sz="1100" dirty="0">
+                        <a:latin typeface="HY그래픽M" pitchFamily="18" charset="-127"/>
+                        <a:ea typeface="HY그래픽M" pitchFamily="18" charset="-127"/>
+                      </a:endParaRPr>
+                    </a:p>
+                  </a:txBody>
+                  <a:tcPr>
+                    <a:solidFill>
+                      <a:schemeClr val="bg1">
+                        <a:lumMod val="65000"/>
+                      </a:schemeClr>
+                    </a:solidFill>
+                  </a:tcPr>
+                </a:tc>
+                <a:tc hMerge="1">
+                  <a:txBody>
+                    <a:bodyPr/>
+                    <a:lstStyle/>
+                    <a:p>
+                      <a:pPr latinLnBrk="1"/>
+                      <a:endParaRPr lang="ko-KR" altLang="en-US" sz="1100" dirty="0">
+                        <a:latin typeface="HY그래픽M" pitchFamily="18" charset="-127"/>
+                        <a:ea typeface="HY그래픽M" pitchFamily="18" charset="-127"/>
+                      </a:endParaRPr>
+                    </a:p>
+                  </a:txBody>
+                  <a:tcPr>
+                    <a:solidFill>
+                      <a:schemeClr val="bg1">
+                        <a:lumMod val="65000"/>
+                      </a:schemeClr>
+                    </a:solidFill>
+                  </a:tcPr>
+                </a:tc>
+                <a:tc hMerge="1">
+                  <a:txBody>
+                    <a:bodyPr/>
+                    <a:lstStyle/>
+                    <a:p>
+                      <a:pPr latinLnBrk="1"/>
+                      <a:endParaRPr lang="ko-KR" altLang="en-US" sz="1100" dirty="0">
+                        <a:latin typeface="HY그래픽M" pitchFamily="18" charset="-127"/>
+                        <a:ea typeface="HY그래픽M" pitchFamily="18" charset="-127"/>
+                      </a:endParaRPr>
+                    </a:p>
+                  </a:txBody>
+                  <a:tcPr>
+                    <a:solidFill>
+                      <a:schemeClr val="bg1">
+                        <a:lumMod val="65000"/>
+                      </a:schemeClr>
+                    </a:solidFill>
+                  </a:tcPr>
+                </a:tc>
+              </a:tr>
+              <a:tr h="290140">
+                <a:tc vMerge="1">
                   <a:txBody>
                     <a:bodyPr/>
                     <a:lstStyle/>
@@ -3924,13 +4403,39 @@
                     <a:p>
                       <a:pPr latinLnBrk="1"/>
                       <a:r>
-                        <a:rPr lang="en-US" altLang="ko-KR" sz="1100" dirty="0" smtClean="0">
+                        <a:rPr lang="en-US" altLang="ko-KR" sz="1100" b="1" dirty="0" smtClean="0">
+                          <a:solidFill>
+                            <a:schemeClr val="bg1"/>
+                          </a:solidFill>
                           <a:latin typeface="HY그래픽M" pitchFamily="18" charset="-127"/>
                           <a:ea typeface="HY그래픽M" pitchFamily="18" charset="-127"/>
                         </a:rPr>
-                        <a:t>RMSE</a:t>
+                        <a:t>Group</a:t>
                       </a:r>
-                      <a:endParaRPr lang="ko-KR" altLang="en-US" sz="1100" dirty="0">
+                      <a:r>
+                        <a:rPr lang="en-US" altLang="ko-KR" sz="1100" b="1" baseline="0" dirty="0" smtClean="0">
+                          <a:solidFill>
+                            <a:schemeClr val="bg1"/>
+                          </a:solidFill>
+                          <a:latin typeface="HY그래픽M" pitchFamily="18" charset="-127"/>
+                          <a:ea typeface="HY그래픽M" pitchFamily="18" charset="-127"/>
+                        </a:rPr>
+                        <a:t> </a:t>
+                      </a:r>
+                      <a:r>
+                        <a:rPr lang="en-US" altLang="ko-KR" sz="1100" b="1" dirty="0" smtClean="0">
+                          <a:solidFill>
+                            <a:schemeClr val="bg1"/>
+                          </a:solidFill>
+                          <a:latin typeface="HY그래픽M" pitchFamily="18" charset="-127"/>
+                          <a:ea typeface="HY그래픽M" pitchFamily="18" charset="-127"/>
+                        </a:rPr>
+                        <a:t>A</a:t>
+                      </a:r>
+                      <a:endParaRPr lang="ko-KR" altLang="en-US" sz="1100" b="1" dirty="0">
+                        <a:solidFill>
+                          <a:schemeClr val="bg1"/>
+                        </a:solidFill>
                         <a:latin typeface="HY그래픽M" pitchFamily="18" charset="-127"/>
                         <a:ea typeface="HY그래픽M" pitchFamily="18" charset="-127"/>
                       </a:endParaRPr>
@@ -3951,13 +4456,85 @@
                     <a:p>
                       <a:pPr latinLnBrk="1"/>
                       <a:r>
-                        <a:rPr lang="en-US" altLang="ko-KR" sz="1100" dirty="0" err="1" smtClean="0">
+                        <a:rPr lang="en-US" altLang="ko-KR" sz="1100" b="1" dirty="0" smtClean="0">
+                          <a:solidFill>
+                            <a:schemeClr val="bg1"/>
+                          </a:solidFill>
                           <a:latin typeface="HY그래픽M" pitchFamily="18" charset="-127"/>
                           <a:ea typeface="HY그래픽M" pitchFamily="18" charset="-127"/>
                         </a:rPr>
-                        <a:t>Pred.Error</a:t>
+                        <a:t>Group B</a:t>
                       </a:r>
-                      <a:endParaRPr lang="ko-KR" altLang="en-US" sz="1100" dirty="0">
+                      <a:endParaRPr lang="ko-KR" altLang="en-US" sz="1100" b="1" dirty="0">
+                        <a:solidFill>
+                          <a:schemeClr val="bg1"/>
+                        </a:solidFill>
+                        <a:latin typeface="HY그래픽M" pitchFamily="18" charset="-127"/>
+                        <a:ea typeface="HY그래픽M" pitchFamily="18" charset="-127"/>
+                      </a:endParaRPr>
+                    </a:p>
+                  </a:txBody>
+                  <a:tcPr>
+                    <a:solidFill>
+                      <a:schemeClr val="bg1">
+                        <a:lumMod val="65000"/>
+                      </a:schemeClr>
+                    </a:solidFill>
+                  </a:tcPr>
+                </a:tc>
+                <a:tc>
+                  <a:txBody>
+                    <a:bodyPr/>
+                    <a:lstStyle/>
+                    <a:p>
+                      <a:pPr latinLnBrk="1"/>
+                      <a:r>
+                        <a:rPr lang="en-US" altLang="ko-KR" sz="1100" b="1" dirty="0" smtClean="0">
+                          <a:solidFill>
+                            <a:schemeClr val="bg1"/>
+                          </a:solidFill>
+                          <a:latin typeface="HY그래픽M" pitchFamily="18" charset="-127"/>
+                          <a:ea typeface="HY그래픽M" pitchFamily="18" charset="-127"/>
+                        </a:rPr>
+                        <a:t>Group C</a:t>
+                      </a:r>
+                      <a:endParaRPr lang="ko-KR" altLang="en-US" sz="1100" b="1" dirty="0">
+                        <a:solidFill>
+                          <a:schemeClr val="bg1"/>
+                        </a:solidFill>
+                        <a:latin typeface="HY그래픽M" pitchFamily="18" charset="-127"/>
+                        <a:ea typeface="HY그래픽M" pitchFamily="18" charset="-127"/>
+                      </a:endParaRPr>
+                    </a:p>
+                  </a:txBody>
+                  <a:tcPr>
+                    <a:solidFill>
+                      <a:schemeClr val="bg1">
+                        <a:lumMod val="65000"/>
+                      </a:schemeClr>
+                    </a:solidFill>
+                  </a:tcPr>
+                </a:tc>
+                <a:tc>
+                  <a:txBody>
+                    <a:bodyPr/>
+                    <a:lstStyle/>
+                    <a:p>
+                      <a:pPr latinLnBrk="1"/>
+                      <a:r>
+                        <a:rPr lang="en-US" altLang="ko-KR" sz="1100" b="1" dirty="0" smtClean="0">
+                          <a:solidFill>
+                            <a:schemeClr val="bg1"/>
+                          </a:solidFill>
+                          <a:latin typeface="HY그래픽M" pitchFamily="18" charset="-127"/>
+                          <a:ea typeface="HY그래픽M" pitchFamily="18" charset="-127"/>
+                        </a:rPr>
+                        <a:t>Group D</a:t>
+                      </a:r>
+                      <a:endParaRPr lang="ko-KR" altLang="en-US" sz="1100" b="1" dirty="0">
+                        <a:solidFill>
+                          <a:schemeClr val="bg1"/>
+                        </a:solidFill>
                         <a:latin typeface="HY그래픽M" pitchFamily="18" charset="-127"/>
                         <a:ea typeface="HY그래픽M" pitchFamily="18" charset="-127"/>
                       </a:endParaRPr>
@@ -3972,7 +4549,7 @@
                   </a:tcPr>
                 </a:tc>
               </a:tr>
-              <a:tr h="388843">
+              <a:tr h="450099">
                 <a:tc>
                   <a:txBody>
                     <a:bodyPr/>
@@ -3980,16 +4557,16 @@
                     <a:p>
                       <a:pPr algn="ctr" latinLnBrk="1"/>
                       <a:r>
-                        <a:rPr lang="en-US" altLang="ko-KR" sz="1100" b="1" dirty="0" smtClean="0">
+                        <a:rPr lang="en-US" altLang="ko-KR" sz="1200" b="1" dirty="0" smtClean="0">
                           <a:solidFill>
                             <a:schemeClr val="tx1"/>
                           </a:solidFill>
                           <a:latin typeface="HY그래픽M" pitchFamily="18" charset="-127"/>
                           <a:ea typeface="HY그래픽M" pitchFamily="18" charset="-127"/>
                         </a:rPr>
-                        <a:t>A</a:t>
+                        <a:t>RMSE</a:t>
                       </a:r>
-                      <a:endParaRPr lang="ko-KR" altLang="en-US" sz="1100" b="1" dirty="0">
+                      <a:endParaRPr lang="ko-KR" altLang="en-US" sz="1200" b="1" dirty="0">
                         <a:solidFill>
                           <a:schemeClr val="tx1"/>
                         </a:solidFill>
@@ -4013,125 +4590,13 @@
                     <a:p>
                       <a:pPr latinLnBrk="1"/>
                       <a:r>
-                        <a:rPr lang="en-US" altLang="ko-KR" sz="1000" dirty="0" smtClean="0">
+                        <a:rPr lang="en-US" altLang="ko-KR" sz="1300" dirty="0" smtClean="0">
                           <a:latin typeface="HY그래픽M" pitchFamily="18" charset="-127"/>
                           <a:ea typeface="HY그래픽M" pitchFamily="18" charset="-127"/>
                         </a:rPr>
                         <a:t>416,445</a:t>
                       </a:r>
-                      <a:endParaRPr lang="ko-KR" altLang="en-US" sz="1000" dirty="0">
-                        <a:latin typeface="HY그래픽M" pitchFamily="18" charset="-127"/>
-                        <a:ea typeface="HY그래픽M" pitchFamily="18" charset="-127"/>
-                      </a:endParaRPr>
-                    </a:p>
-                  </a:txBody>
-                  <a:tcPr>
-                    <a:solidFill>
-                      <a:schemeClr val="bg1">
-                        <a:lumMod val="85000"/>
-                      </a:schemeClr>
-                    </a:solidFill>
-                  </a:tcPr>
-                </a:tc>
-                <a:tc>
-                  <a:txBody>
-                    <a:bodyPr/>
-                    <a:lstStyle/>
-                    <a:p>
-                      <a:pPr latinLnBrk="1"/>
-                      <a:r>
-                        <a:rPr lang="en-US" altLang="ko-KR" sz="1000" dirty="0" smtClean="0">
-                          <a:latin typeface="HY그래픽M" pitchFamily="18" charset="-127"/>
-                          <a:ea typeface="HY그래픽M" pitchFamily="18" charset="-127"/>
-                        </a:rPr>
-                        <a:t>0.255</a:t>
-                      </a:r>
-                      <a:endParaRPr lang="ko-KR" altLang="en-US" sz="1000" dirty="0">
-                        <a:latin typeface="HY그래픽M" pitchFamily="18" charset="-127"/>
-                        <a:ea typeface="HY그래픽M" pitchFamily="18" charset="-127"/>
-                      </a:endParaRPr>
-                    </a:p>
-                  </a:txBody>
-                  <a:tcPr>
-                    <a:solidFill>
-                      <a:schemeClr val="bg1">
-                        <a:lumMod val="85000"/>
-                      </a:schemeClr>
-                    </a:solidFill>
-                  </a:tcPr>
-                </a:tc>
-              </a:tr>
-              <a:tr h="388843">
-                <a:tc>
-                  <a:txBody>
-                    <a:bodyPr/>
-                    <a:lstStyle/>
-                    <a:p>
-                      <a:pPr algn="ctr" latinLnBrk="1"/>
-                      <a:r>
-                        <a:rPr lang="en-US" altLang="ko-KR" sz="1100" b="1" dirty="0" smtClean="0">
-                          <a:solidFill>
-                            <a:schemeClr val="tx1"/>
-                          </a:solidFill>
-                          <a:latin typeface="HY그래픽M" pitchFamily="18" charset="-127"/>
-                          <a:ea typeface="HY그래픽M" pitchFamily="18" charset="-127"/>
-                        </a:rPr>
-                        <a:t>B</a:t>
-                      </a:r>
-                      <a:endParaRPr lang="ko-KR" altLang="en-US" sz="1100" b="1" dirty="0">
-                        <a:solidFill>
-                          <a:schemeClr val="tx1"/>
-                        </a:solidFill>
-                        <a:latin typeface="HY그래픽M" pitchFamily="18" charset="-127"/>
-                        <a:ea typeface="HY그래픽M" pitchFamily="18" charset="-127"/>
-                      </a:endParaRPr>
-                    </a:p>
-                  </a:txBody>
-                  <a:tcPr>
-                    <a:solidFill>
-                      <a:schemeClr val="bg1">
-                        <a:lumMod val="65000"/>
-                      </a:schemeClr>
-                    </a:solidFill>
-                  </a:tcPr>
-                </a:tc>
-                <a:tc>
-                  <a:txBody>
-                    <a:bodyPr/>
-                    <a:lstStyle/>
-                    <a:p>
-                      <a:pPr marL="0" marR="0" indent="0" algn="l" defTabSz="914400" rtl="0" eaLnBrk="1" fontAlgn="auto" latinLnBrk="1" hangingPunct="1">
-                        <a:lnSpc>
-                          <a:spcPct val="100000"/>
-                        </a:lnSpc>
-                        <a:spcBef>
-                          <a:spcPts val="0"/>
-                        </a:spcBef>
-                        <a:spcAft>
-                          <a:spcPts val="0"/>
-                        </a:spcAft>
-                        <a:buClrTx/>
-                        <a:buSzTx/>
-                        <a:buFontTx/>
-                        <a:buNone/>
-                        <a:tabLst/>
-                        <a:defRPr/>
-                      </a:pPr>
-                      <a:r>
-                        <a:rPr lang="en-US" altLang="ko-KR" sz="1000" dirty="0" smtClean="0">
-                          <a:latin typeface="HY그래픽M" pitchFamily="18" charset="-127"/>
-                          <a:ea typeface="HY그래픽M" pitchFamily="18" charset="-127"/>
-                        </a:rPr>
-                        <a:t>156,822</a:t>
-                      </a:r>
-                      <a:endParaRPr lang="ko-KR" altLang="en-US" sz="1000" dirty="0" smtClean="0">
-                        <a:latin typeface="HY그래픽M" pitchFamily="18" charset="-127"/>
-                        <a:ea typeface="HY그래픽M" pitchFamily="18" charset="-127"/>
-                      </a:endParaRPr>
-                    </a:p>
-                    <a:p>
-                      <a:pPr latinLnBrk="1"/>
-                      <a:endParaRPr lang="ko-KR" altLang="en-US" sz="1000" dirty="0">
+                      <a:endParaRPr lang="ko-KR" altLang="en-US" sz="1300" dirty="0">
                         <a:latin typeface="HY그래픽M" pitchFamily="18" charset="-127"/>
                         <a:ea typeface="HY그래픽M" pitchFamily="18" charset="-127"/>
                       </a:endParaRPr>
@@ -4168,105 +4633,13 @@
                         <a:defRPr/>
                       </a:pPr>
                       <a:r>
-                        <a:rPr lang="en-US" altLang="ko-KR" sz="1000" dirty="0" smtClean="0">
+                        <a:rPr lang="en-US" altLang="ko-KR" sz="1300" dirty="0" smtClean="0">
                           <a:latin typeface="HY그래픽M" pitchFamily="18" charset="-127"/>
                           <a:ea typeface="HY그래픽M" pitchFamily="18" charset="-127"/>
                         </a:rPr>
-                        <a:t>0.202</a:t>
+                        <a:t>156,822</a:t>
                       </a:r>
-                      <a:endParaRPr lang="ko-KR" altLang="en-US" sz="1000" dirty="0" smtClean="0">
-                        <a:latin typeface="HY그래픽M" pitchFamily="18" charset="-127"/>
-                        <a:ea typeface="HY그래픽M" pitchFamily="18" charset="-127"/>
-                      </a:endParaRPr>
-                    </a:p>
-                    <a:p>
-                      <a:pPr latinLnBrk="1"/>
-                      <a:endParaRPr lang="ko-KR" altLang="en-US" sz="1000" dirty="0">
-                        <a:latin typeface="HY그래픽M" pitchFamily="18" charset="-127"/>
-                        <a:ea typeface="HY그래픽M" pitchFamily="18" charset="-127"/>
-                      </a:endParaRPr>
-                    </a:p>
-                  </a:txBody>
-                  <a:tcPr>
-                    <a:solidFill>
-                      <a:schemeClr val="bg1">
-                        <a:lumMod val="85000"/>
-                      </a:schemeClr>
-                    </a:solidFill>
-                  </a:tcPr>
-                </a:tc>
-              </a:tr>
-              <a:tr h="388843">
-                <a:tc>
-                  <a:txBody>
-                    <a:bodyPr/>
-                    <a:lstStyle/>
-                    <a:p>
-                      <a:pPr algn="ctr" latinLnBrk="1"/>
-                      <a:r>
-                        <a:rPr lang="en-US" altLang="ko-KR" sz="1100" b="1" dirty="0" smtClean="0">
-                          <a:solidFill>
-                            <a:schemeClr val="tx1"/>
-                          </a:solidFill>
-                          <a:latin typeface="HY그래픽M" pitchFamily="18" charset="-127"/>
-                          <a:ea typeface="HY그래픽M" pitchFamily="18" charset="-127"/>
-                        </a:rPr>
-                        <a:t>C</a:t>
-                      </a:r>
-                      <a:endParaRPr lang="ko-KR" altLang="en-US" sz="1100" b="1" dirty="0">
-                        <a:solidFill>
-                          <a:schemeClr val="tx1"/>
-                        </a:solidFill>
-                        <a:latin typeface="HY그래픽M" pitchFamily="18" charset="-127"/>
-                        <a:ea typeface="HY그래픽M" pitchFamily="18" charset="-127"/>
-                      </a:endParaRPr>
-                    </a:p>
-                  </a:txBody>
-                  <a:tcPr>
-                    <a:solidFill>
-                      <a:schemeClr val="bg1">
-                        <a:lumMod val="65000"/>
-                      </a:schemeClr>
-                    </a:solidFill>
-                  </a:tcPr>
-                </a:tc>
-                <a:tc>
-                  <a:txBody>
-                    <a:bodyPr/>
-                    <a:lstStyle/>
-                    <a:p>
-                      <a:pPr marL="0" marR="0" indent="0" algn="l" defTabSz="914400" rtl="0" eaLnBrk="1" fontAlgn="auto" latinLnBrk="1" hangingPunct="1">
-                        <a:lnSpc>
-                          <a:spcPct val="100000"/>
-                        </a:lnSpc>
-                        <a:spcBef>
-                          <a:spcPts val="0"/>
-                        </a:spcBef>
-                        <a:spcAft>
-                          <a:spcPts val="0"/>
-                        </a:spcAft>
-                        <a:buClrTx/>
-                        <a:buSzTx/>
-                        <a:buFontTx/>
-                        <a:buNone/>
-                        <a:tabLst/>
-                        <a:defRPr/>
-                      </a:pPr>
-                      <a:r>
-                        <a:rPr lang="en-US" altLang="ko-KR" sz="1000" dirty="0" smtClean="0">
-                          <a:latin typeface="HY그래픽M" pitchFamily="18" charset="-127"/>
-                          <a:ea typeface="HY그래픽M" pitchFamily="18" charset="-127"/>
-                        </a:rPr>
-                        <a:t>625,174</a:t>
-                      </a:r>
-                      <a:endParaRPr lang="ko-KR" altLang="en-US" sz="1000" dirty="0" smtClean="0">
-                        <a:latin typeface="HY그래픽M" pitchFamily="18" charset="-127"/>
-                        <a:ea typeface="HY그래픽M" pitchFamily="18" charset="-127"/>
-                      </a:endParaRPr>
-                    </a:p>
-                    <a:p>
-                      <a:pPr latinLnBrk="1"/>
-                      <a:endParaRPr lang="ko-KR" altLang="en-US" sz="1000" dirty="0">
+                      <a:endParaRPr lang="ko-KR" altLang="en-US" sz="1300" dirty="0" smtClean="0">
                         <a:latin typeface="HY그래픽M" pitchFamily="18" charset="-127"/>
                         <a:ea typeface="HY그래픽M" pitchFamily="18" charset="-127"/>
                       </a:endParaRPr>
@@ -4303,105 +4676,20 @@
                         <a:defRPr/>
                       </a:pPr>
                       <a:r>
-                        <a:rPr lang="en-US" altLang="ko-KR" sz="1000" dirty="0" smtClean="0">
+                        <a:rPr lang="en-US" altLang="ko-KR" sz="1300" dirty="0" smtClean="0">
                           <a:latin typeface="HY그래픽M" pitchFamily="18" charset="-127"/>
                           <a:ea typeface="HY그래픽M" pitchFamily="18" charset="-127"/>
                         </a:rPr>
-                        <a:t>0.308</a:t>
+                        <a:t>625,174</a:t>
                       </a:r>
-                      <a:endParaRPr lang="ko-KR" altLang="en-US" sz="1000" dirty="0" smtClean="0">
+                      <a:endParaRPr lang="ko-KR" altLang="en-US" sz="1300" dirty="0" smtClean="0">
                         <a:latin typeface="HY그래픽M" pitchFamily="18" charset="-127"/>
                         <a:ea typeface="HY그래픽M" pitchFamily="18" charset="-127"/>
                       </a:endParaRPr>
                     </a:p>
                     <a:p>
                       <a:pPr latinLnBrk="1"/>
-                      <a:endParaRPr lang="ko-KR" altLang="en-US" sz="1000" dirty="0">
-                        <a:latin typeface="HY그래픽M" pitchFamily="18" charset="-127"/>
-                        <a:ea typeface="HY그래픽M" pitchFamily="18" charset="-127"/>
-                      </a:endParaRPr>
-                    </a:p>
-                  </a:txBody>
-                  <a:tcPr>
-                    <a:solidFill>
-                      <a:schemeClr val="bg1">
-                        <a:lumMod val="85000"/>
-                      </a:schemeClr>
-                    </a:solidFill>
-                  </a:tcPr>
-                </a:tc>
-              </a:tr>
-              <a:tr h="388843">
-                <a:tc>
-                  <a:txBody>
-                    <a:bodyPr/>
-                    <a:lstStyle/>
-                    <a:p>
-                      <a:pPr algn="ctr" latinLnBrk="1"/>
-                      <a:r>
-                        <a:rPr lang="en-US" altLang="ko-KR" sz="1100" b="1" dirty="0" smtClean="0">
-                          <a:solidFill>
-                            <a:schemeClr val="tx1"/>
-                          </a:solidFill>
-                          <a:latin typeface="HY그래픽M" pitchFamily="18" charset="-127"/>
-                          <a:ea typeface="HY그래픽M" pitchFamily="18" charset="-127"/>
-                        </a:rPr>
-                        <a:t>D</a:t>
-                      </a:r>
-                      <a:endParaRPr lang="ko-KR" altLang="en-US" sz="1100" b="1" dirty="0">
-                        <a:solidFill>
-                          <a:schemeClr val="tx1"/>
-                        </a:solidFill>
-                        <a:latin typeface="HY그래픽M" pitchFamily="18" charset="-127"/>
-                        <a:ea typeface="HY그래픽M" pitchFamily="18" charset="-127"/>
-                      </a:endParaRPr>
-                    </a:p>
-                  </a:txBody>
-                  <a:tcPr>
-                    <a:solidFill>
-                      <a:schemeClr val="bg1">
-                        <a:lumMod val="65000"/>
-                      </a:schemeClr>
-                    </a:solidFill>
-                  </a:tcPr>
-                </a:tc>
-                <a:tc>
-                  <a:txBody>
-                    <a:bodyPr/>
-                    <a:lstStyle/>
-                    <a:p>
-                      <a:pPr marL="0" marR="0" indent="0" algn="l" defTabSz="914400" rtl="0" eaLnBrk="1" fontAlgn="auto" latinLnBrk="1" hangingPunct="1">
-                        <a:lnSpc>
-                          <a:spcPct val="100000"/>
-                        </a:lnSpc>
-                        <a:spcBef>
-                          <a:spcPts val="0"/>
-                        </a:spcBef>
-                        <a:spcAft>
-                          <a:spcPts val="0"/>
-                        </a:spcAft>
-                        <a:buClrTx/>
-                        <a:buSzTx/>
-                        <a:buFontTx/>
-                        <a:buNone/>
-                        <a:tabLst/>
-                        <a:defRPr/>
-                      </a:pPr>
-                      <a:r>
-                        <a:rPr lang="en-US" altLang="ko-KR" sz="1000" dirty="0" smtClean="0">
-                          <a:latin typeface="HY그래픽M" pitchFamily="18" charset="-127"/>
-                          <a:ea typeface="HY그래픽M" pitchFamily="18" charset="-127"/>
-                        </a:rPr>
-                        <a:t>403,731</a:t>
-                      </a:r>
-                      <a:endParaRPr lang="ko-KR" altLang="en-US" sz="1000" dirty="0" smtClean="0">
-                        <a:latin typeface="HY그래픽M" pitchFamily="18" charset="-127"/>
-                        <a:ea typeface="HY그래픽M" pitchFamily="18" charset="-127"/>
-                      </a:endParaRPr>
-                    </a:p>
-                    <a:p>
-                      <a:pPr latinLnBrk="1"/>
-                      <a:endParaRPr lang="ko-KR" altLang="en-US" sz="1000" dirty="0">
+                      <a:endParaRPr lang="ko-KR" altLang="en-US" sz="1300" dirty="0">
                         <a:latin typeface="HY그래픽M" pitchFamily="18" charset="-127"/>
                         <a:ea typeface="HY그래픽M" pitchFamily="18" charset="-127"/>
                       </a:endParaRPr>
@@ -4438,20 +4726,228 @@
                         <a:defRPr/>
                       </a:pPr>
                       <a:r>
-                        <a:rPr lang="en-US" altLang="ko-KR" sz="1000" dirty="0" smtClean="0">
+                        <a:rPr lang="en-US" altLang="ko-KR" sz="1300" dirty="0" smtClean="0">
                           <a:latin typeface="HY그래픽M" pitchFamily="18" charset="-127"/>
                           <a:ea typeface="HY그래픽M" pitchFamily="18" charset="-127"/>
                         </a:rPr>
-                        <a:t>0.277</a:t>
+                        <a:t>403,731</a:t>
                       </a:r>
-                      <a:endParaRPr lang="ko-KR" altLang="en-US" sz="1000" dirty="0" smtClean="0">
+                      <a:endParaRPr lang="ko-KR" altLang="en-US" sz="1300" dirty="0" smtClean="0">
                         <a:latin typeface="HY그래픽M" pitchFamily="18" charset="-127"/>
                         <a:ea typeface="HY그래픽M" pitchFamily="18" charset="-127"/>
                       </a:endParaRPr>
                     </a:p>
                     <a:p>
                       <a:pPr latinLnBrk="1"/>
-                      <a:endParaRPr lang="ko-KR" altLang="en-US" sz="1000" dirty="0">
+                      <a:endParaRPr lang="ko-KR" altLang="en-US" sz="1300" dirty="0">
+                        <a:latin typeface="HY그래픽M" pitchFamily="18" charset="-127"/>
+                        <a:ea typeface="HY그래픽M" pitchFamily="18" charset="-127"/>
+                      </a:endParaRPr>
+                    </a:p>
+                  </a:txBody>
+                  <a:tcPr>
+                    <a:solidFill>
+                      <a:schemeClr val="bg1">
+                        <a:lumMod val="85000"/>
+                      </a:schemeClr>
+                    </a:solidFill>
+                  </a:tcPr>
+                </a:tc>
+              </a:tr>
+              <a:tr h="450099">
+                <a:tc>
+                  <a:txBody>
+                    <a:bodyPr/>
+                    <a:lstStyle/>
+                    <a:p>
+                      <a:pPr algn="ctr" latinLnBrk="1"/>
+                      <a:r>
+                        <a:rPr lang="en-US" altLang="ko-KR" sz="1200" b="1" dirty="0" smtClean="0">
+                          <a:solidFill>
+                            <a:schemeClr val="tx1"/>
+                          </a:solidFill>
+                          <a:latin typeface="HY그래픽M" pitchFamily="18" charset="-127"/>
+                          <a:ea typeface="HY그래픽M" pitchFamily="18" charset="-127"/>
+                        </a:rPr>
+                        <a:t>Prediction</a:t>
+                      </a:r>
+                      <a:r>
+                        <a:rPr lang="en-US" altLang="ko-KR" sz="1200" b="1" baseline="0" dirty="0" smtClean="0">
+                          <a:solidFill>
+                            <a:schemeClr val="tx1"/>
+                          </a:solidFill>
+                          <a:latin typeface="HY그래픽M" pitchFamily="18" charset="-127"/>
+                          <a:ea typeface="HY그래픽M" pitchFamily="18" charset="-127"/>
+                        </a:rPr>
+                        <a:t> Error</a:t>
+                      </a:r>
+                      <a:endParaRPr lang="ko-KR" altLang="en-US" sz="1200" b="1" dirty="0">
+                        <a:solidFill>
+                          <a:schemeClr val="tx1"/>
+                        </a:solidFill>
+                        <a:latin typeface="HY그래픽M" pitchFamily="18" charset="-127"/>
+                        <a:ea typeface="HY그래픽M" pitchFamily="18" charset="-127"/>
+                      </a:endParaRPr>
+                    </a:p>
+                  </a:txBody>
+                  <a:tcPr>
+                    <a:solidFill>
+                      <a:schemeClr val="bg1">
+                        <a:lumMod val="65000"/>
+                      </a:schemeClr>
+                    </a:solidFill>
+                  </a:tcPr>
+                </a:tc>
+                <a:tc>
+                  <a:txBody>
+                    <a:bodyPr/>
+                    <a:lstStyle/>
+                    <a:p>
+                      <a:pPr latinLnBrk="1"/>
+                      <a:r>
+                        <a:rPr lang="en-US" altLang="ko-KR" sz="1300" dirty="0" smtClean="0">
+                          <a:latin typeface="HY그래픽M" pitchFamily="18" charset="-127"/>
+                          <a:ea typeface="HY그래픽M" pitchFamily="18" charset="-127"/>
+                        </a:rPr>
+                        <a:t>0.255</a:t>
+                      </a:r>
+                      <a:endParaRPr lang="ko-KR" altLang="en-US" sz="1300" dirty="0" smtClean="0">
+                        <a:latin typeface="HY그래픽M" pitchFamily="18" charset="-127"/>
+                        <a:ea typeface="HY그래픽M" pitchFamily="18" charset="-127"/>
+                      </a:endParaRPr>
+                    </a:p>
+                    <a:p>
+                      <a:pPr latinLnBrk="1"/>
+                      <a:endParaRPr lang="ko-KR" altLang="en-US" sz="1300" dirty="0">
+                        <a:latin typeface="HY그래픽M" pitchFamily="18" charset="-127"/>
+                        <a:ea typeface="HY그래픽M" pitchFamily="18" charset="-127"/>
+                      </a:endParaRPr>
+                    </a:p>
+                  </a:txBody>
+                  <a:tcPr>
+                    <a:solidFill>
+                      <a:schemeClr val="bg1">
+                        <a:lumMod val="85000"/>
+                      </a:schemeClr>
+                    </a:solidFill>
+                  </a:tcPr>
+                </a:tc>
+                <a:tc>
+                  <a:txBody>
+                    <a:bodyPr/>
+                    <a:lstStyle/>
+                    <a:p>
+                      <a:pPr marL="0" marR="0" indent="0" algn="l" defTabSz="914400" rtl="0" eaLnBrk="1" fontAlgn="auto" latinLnBrk="1" hangingPunct="1">
+                        <a:lnSpc>
+                          <a:spcPct val="100000"/>
+                        </a:lnSpc>
+                        <a:spcBef>
+                          <a:spcPts val="0"/>
+                        </a:spcBef>
+                        <a:spcAft>
+                          <a:spcPts val="0"/>
+                        </a:spcAft>
+                        <a:buClrTx/>
+                        <a:buSzTx/>
+                        <a:buFontTx/>
+                        <a:buNone/>
+                        <a:tabLst/>
+                        <a:defRPr/>
+                      </a:pPr>
+                      <a:r>
+                        <a:rPr lang="en-US" altLang="ko-KR" sz="1300" dirty="0" smtClean="0">
+                          <a:latin typeface="HY그래픽M" pitchFamily="18" charset="-127"/>
+                          <a:ea typeface="HY그래픽M" pitchFamily="18" charset="-127"/>
+                        </a:rPr>
+                        <a:t>0.202</a:t>
+                      </a:r>
+                      <a:endParaRPr lang="ko-KR" altLang="en-US" sz="1300" dirty="0" smtClean="0">
+                        <a:latin typeface="HY그래픽M" pitchFamily="18" charset="-127"/>
+                        <a:ea typeface="HY그래픽M" pitchFamily="18" charset="-127"/>
+                      </a:endParaRPr>
+                    </a:p>
+                  </a:txBody>
+                  <a:tcPr>
+                    <a:solidFill>
+                      <a:schemeClr val="bg1">
+                        <a:lumMod val="85000"/>
+                      </a:schemeClr>
+                    </a:solidFill>
+                  </a:tcPr>
+                </a:tc>
+                <a:tc>
+                  <a:txBody>
+                    <a:bodyPr/>
+                    <a:lstStyle/>
+                    <a:p>
+                      <a:pPr marL="0" marR="0" indent="0" algn="l" defTabSz="914400" rtl="0" eaLnBrk="1" fontAlgn="auto" latinLnBrk="1" hangingPunct="1">
+                        <a:lnSpc>
+                          <a:spcPct val="100000"/>
+                        </a:lnSpc>
+                        <a:spcBef>
+                          <a:spcPts val="0"/>
+                        </a:spcBef>
+                        <a:spcAft>
+                          <a:spcPts val="0"/>
+                        </a:spcAft>
+                        <a:buClrTx/>
+                        <a:buSzTx/>
+                        <a:buFontTx/>
+                        <a:buNone/>
+                        <a:tabLst/>
+                        <a:defRPr/>
+                      </a:pPr>
+                      <a:r>
+                        <a:rPr lang="en-US" altLang="ko-KR" sz="1300" dirty="0" smtClean="0">
+                          <a:latin typeface="HY그래픽M" pitchFamily="18" charset="-127"/>
+                          <a:ea typeface="HY그래픽M" pitchFamily="18" charset="-127"/>
+                        </a:rPr>
+                        <a:t>0.308</a:t>
+                      </a:r>
+                      <a:endParaRPr lang="ko-KR" altLang="en-US" sz="1300" dirty="0" smtClean="0">
+                        <a:latin typeface="HY그래픽M" pitchFamily="18" charset="-127"/>
+                        <a:ea typeface="HY그래픽M" pitchFamily="18" charset="-127"/>
+                      </a:endParaRPr>
+                    </a:p>
+                  </a:txBody>
+                  <a:tcPr>
+                    <a:solidFill>
+                      <a:schemeClr val="bg1">
+                        <a:lumMod val="85000"/>
+                      </a:schemeClr>
+                    </a:solidFill>
+                  </a:tcPr>
+                </a:tc>
+                <a:tc>
+                  <a:txBody>
+                    <a:bodyPr/>
+                    <a:lstStyle/>
+                    <a:p>
+                      <a:pPr marL="0" marR="0" indent="0" algn="l" defTabSz="914400" rtl="0" eaLnBrk="1" fontAlgn="auto" latinLnBrk="1" hangingPunct="1">
+                        <a:lnSpc>
+                          <a:spcPct val="100000"/>
+                        </a:lnSpc>
+                        <a:spcBef>
+                          <a:spcPts val="0"/>
+                        </a:spcBef>
+                        <a:spcAft>
+                          <a:spcPts val="0"/>
+                        </a:spcAft>
+                        <a:buClrTx/>
+                        <a:buSzTx/>
+                        <a:buFontTx/>
+                        <a:buNone/>
+                        <a:tabLst/>
+                        <a:defRPr/>
+                      </a:pPr>
+                      <a:r>
+                        <a:rPr lang="en-US" altLang="ko-KR" sz="1300" dirty="0" smtClean="0">
+                          <a:latin typeface="HY그래픽M" pitchFamily="18" charset="-127"/>
+                          <a:ea typeface="HY그래픽M" pitchFamily="18" charset="-127"/>
+                        </a:rPr>
+                        <a:t>0.277</a:t>
+                      </a:r>
+                      <a:endParaRPr lang="ko-KR" altLang="en-US" sz="1300" dirty="0" smtClean="0">
                         <a:latin typeface="HY그래픽M" pitchFamily="18" charset="-127"/>
                         <a:ea typeface="HY그래픽M" pitchFamily="18" charset="-127"/>
                       </a:endParaRPr>
@@ -4470,457 +4966,16 @@
           </a:graphicData>
         </a:graphic>
       </p:graphicFrame>
-      <p:graphicFrame>
-        <p:nvGraphicFramePr>
-          <p:cNvPr id="7" name="표 6"/>
-          <p:cNvGraphicFramePr>
-            <a:graphicFrameLocks noGrp="1"/>
-          </p:cNvGraphicFramePr>
-          <p:nvPr/>
-        </p:nvGraphicFramePr>
-        <p:xfrm>
-          <a:off x="3059832" y="2276872"/>
-          <a:ext cx="3240360" cy="1144695"/>
-        </p:xfrm>
-        <a:graphic>
-          <a:graphicData uri="http://schemas.openxmlformats.org/drawingml/2006/table">
-            <a:tbl>
-              <a:tblPr firstRow="1" bandRow="1">
-                <a:tableStyleId>{5C22544A-7EE6-4342-B048-85BDC9FD1C3A}</a:tableStyleId>
-              </a:tblPr>
-              <a:tblGrid>
-                <a:gridCol w="1680187"/>
-                <a:gridCol w="1560173"/>
-              </a:tblGrid>
-              <a:tr h="381565">
-                <a:tc>
-                  <a:txBody>
-                    <a:bodyPr/>
-                    <a:lstStyle/>
-                    <a:p>
-                      <a:pPr latinLnBrk="1"/>
-                      <a:endParaRPr lang="ko-KR" altLang="en-US" sz="1300" dirty="0"/>
-                    </a:p>
-                  </a:txBody>
-                  <a:tcPr>
-                    <a:solidFill>
-                      <a:schemeClr val="bg1">
-                        <a:lumMod val="65000"/>
-                      </a:schemeClr>
-                    </a:solidFill>
-                  </a:tcPr>
-                </a:tc>
-                <a:tc>
-                  <a:txBody>
-                    <a:bodyPr/>
-                    <a:lstStyle/>
-                    <a:p>
-                      <a:pPr latinLnBrk="1"/>
-                      <a:r>
-                        <a:rPr lang="en-US" altLang="ko-KR" sz="1300" dirty="0" err="1" smtClean="0"/>
-                        <a:t>RandomForest</a:t>
-                      </a:r>
-                      <a:endParaRPr lang="ko-KR" altLang="en-US" sz="1300" dirty="0"/>
-                    </a:p>
-                  </a:txBody>
-                  <a:tcPr>
-                    <a:solidFill>
-                      <a:schemeClr val="bg1">
-                        <a:lumMod val="65000"/>
-                      </a:schemeClr>
-                    </a:solidFill>
-                  </a:tcPr>
-                </a:tc>
-              </a:tr>
-              <a:tr h="381565">
-                <a:tc>
-                  <a:txBody>
-                    <a:bodyPr/>
-                    <a:lstStyle/>
-                    <a:p>
-                      <a:pPr latinLnBrk="1"/>
-                      <a:r>
-                        <a:rPr lang="en-US" altLang="ko-KR" sz="1300" b="1" dirty="0" smtClean="0"/>
-                        <a:t>RMSE</a:t>
-                      </a:r>
-                      <a:endParaRPr lang="ko-KR" altLang="en-US" sz="1300" b="1" dirty="0"/>
-                    </a:p>
-                  </a:txBody>
-                  <a:tcPr>
-                    <a:solidFill>
-                      <a:schemeClr val="bg1">
-                        <a:lumMod val="65000"/>
-                      </a:schemeClr>
-                    </a:solidFill>
-                  </a:tcPr>
-                </a:tc>
-                <a:tc>
-                  <a:txBody>
-                    <a:bodyPr/>
-                    <a:lstStyle/>
-                    <a:p>
-                      <a:pPr latinLnBrk="1"/>
-                      <a:r>
-                        <a:rPr lang="en-US" altLang="ko-KR" sz="1300" dirty="0" smtClean="0"/>
-                        <a:t>576,756</a:t>
-                      </a:r>
-                      <a:endParaRPr lang="ko-KR" altLang="en-US" sz="1300" dirty="0"/>
-                    </a:p>
-                  </a:txBody>
-                  <a:tcPr>
-                    <a:solidFill>
-                      <a:schemeClr val="bg1">
-                        <a:lumMod val="85000"/>
-                      </a:schemeClr>
-                    </a:solidFill>
-                  </a:tcPr>
-                </a:tc>
-              </a:tr>
-              <a:tr h="381565">
-                <a:tc>
-                  <a:txBody>
-                    <a:bodyPr/>
-                    <a:lstStyle/>
-                    <a:p>
-                      <a:pPr latinLnBrk="1"/>
-                      <a:r>
-                        <a:rPr lang="en-US" altLang="ko-KR" sz="1300" b="1" dirty="0" smtClean="0"/>
-                        <a:t>Prediction</a:t>
-                      </a:r>
-                      <a:r>
-                        <a:rPr lang="en-US" altLang="ko-KR" sz="1300" b="1" baseline="0" dirty="0" smtClean="0"/>
-                        <a:t> Error</a:t>
-                      </a:r>
-                      <a:endParaRPr lang="ko-KR" altLang="en-US" sz="1300" b="1" dirty="0"/>
-                    </a:p>
-                  </a:txBody>
-                  <a:tcPr>
-                    <a:solidFill>
-                      <a:schemeClr val="bg1">
-                        <a:lumMod val="65000"/>
-                      </a:schemeClr>
-                    </a:solidFill>
-                  </a:tcPr>
-                </a:tc>
-                <a:tc>
-                  <a:txBody>
-                    <a:bodyPr/>
-                    <a:lstStyle/>
-                    <a:p>
-                      <a:pPr latinLnBrk="1"/>
-                      <a:r>
-                        <a:rPr lang="en-US" altLang="ko-KR" sz="1300" dirty="0" smtClean="0"/>
-                        <a:t>0.269</a:t>
-                      </a:r>
-                      <a:endParaRPr lang="ko-KR" altLang="en-US" sz="1300" dirty="0"/>
-                    </a:p>
-                  </a:txBody>
-                  <a:tcPr>
-                    <a:solidFill>
-                      <a:schemeClr val="bg1">
-                        <a:lumMod val="85000"/>
-                      </a:schemeClr>
-                    </a:solidFill>
-                  </a:tcPr>
-                </a:tc>
-              </a:tr>
-            </a:tbl>
-          </a:graphicData>
-        </a:graphic>
-      </p:graphicFrame>
-      <p:graphicFrame>
-        <p:nvGraphicFramePr>
-          <p:cNvPr id="10" name="표 9"/>
-          <p:cNvGraphicFramePr>
-            <a:graphicFrameLocks noGrp="1"/>
-          </p:cNvGraphicFramePr>
-          <p:nvPr/>
-        </p:nvGraphicFramePr>
-        <p:xfrm>
-          <a:off x="3059832" y="620688"/>
-          <a:ext cx="4104457" cy="1166220"/>
-        </p:xfrm>
-        <a:graphic>
-          <a:graphicData uri="http://schemas.openxmlformats.org/drawingml/2006/table">
-            <a:tbl>
-              <a:tblPr firstRow="1" bandRow="1">
-                <a:tableStyleId>{5C22544A-7EE6-4342-B048-85BDC9FD1C3A}</a:tableStyleId>
-              </a:tblPr>
-              <a:tblGrid>
-                <a:gridCol w="1578637"/>
-                <a:gridCol w="1262910"/>
-                <a:gridCol w="1262910"/>
-              </a:tblGrid>
-              <a:tr h="291555">
-                <a:tc rowSpan="2">
-                  <a:txBody>
-                    <a:bodyPr/>
-                    <a:lstStyle/>
-                    <a:p>
-                      <a:pPr latinLnBrk="1"/>
-                      <a:r>
-                        <a:rPr lang="en-US" altLang="ko-KR" sz="1200" dirty="0" smtClean="0"/>
-                        <a:t>SVM</a:t>
-                      </a:r>
-                      <a:endParaRPr lang="ko-KR" altLang="en-US" sz="1200" dirty="0"/>
-                    </a:p>
-                  </a:txBody>
-                  <a:tcPr>
-                    <a:solidFill>
-                      <a:schemeClr val="bg1">
-                        <a:lumMod val="65000"/>
-                      </a:schemeClr>
-                    </a:solidFill>
-                  </a:tcPr>
-                </a:tc>
-                <a:tc gridSpan="2">
-                  <a:txBody>
-                    <a:bodyPr/>
-                    <a:lstStyle/>
-                    <a:p>
-                      <a:pPr latinLnBrk="1"/>
-                      <a:r>
-                        <a:rPr lang="en-US" altLang="ko-KR" sz="1200" dirty="0" smtClean="0"/>
-                        <a:t>One hot encoding(Type)</a:t>
-                      </a:r>
-                      <a:endParaRPr lang="ko-KR" altLang="en-US" sz="1200" dirty="0"/>
-                    </a:p>
-                  </a:txBody>
-                  <a:tcPr>
-                    <a:solidFill>
-                      <a:schemeClr val="bg1">
-                        <a:lumMod val="65000"/>
-                      </a:schemeClr>
-                    </a:solidFill>
-                  </a:tcPr>
-                </a:tc>
-                <a:tc hMerge="1">
-                  <a:txBody>
-                    <a:bodyPr/>
-                    <a:lstStyle/>
-                    <a:p>
-                      <a:pPr latinLnBrk="1"/>
-                      <a:endParaRPr lang="ko-KR" altLang="en-US" sz="1300" dirty="0"/>
-                    </a:p>
-                  </a:txBody>
-                  <a:tcPr>
-                    <a:solidFill>
-                      <a:schemeClr val="bg1">
-                        <a:lumMod val="65000"/>
-                      </a:schemeClr>
-                    </a:solidFill>
-                  </a:tcPr>
-                </a:tc>
-              </a:tr>
-              <a:tr h="291555">
-                <a:tc vMerge="1">
-                  <a:txBody>
-                    <a:bodyPr/>
-                    <a:lstStyle/>
-                    <a:p>
-                      <a:pPr latinLnBrk="1"/>
-                      <a:endParaRPr lang="ko-KR" altLang="en-US" sz="1300" dirty="0"/>
-                    </a:p>
-                  </a:txBody>
-                  <a:tcPr>
-                    <a:solidFill>
-                      <a:schemeClr val="bg1">
-                        <a:lumMod val="65000"/>
-                      </a:schemeClr>
-                    </a:solidFill>
-                  </a:tcPr>
-                </a:tc>
-                <a:tc>
-                  <a:txBody>
-                    <a:bodyPr/>
-                    <a:lstStyle/>
-                    <a:p>
-                      <a:pPr latinLnBrk="1"/>
-                      <a:r>
-                        <a:rPr lang="ko-KR" altLang="en-US" sz="1200" dirty="0" smtClean="0"/>
-                        <a:t>전 </a:t>
-                      </a:r>
-                      <a:endParaRPr lang="ko-KR" altLang="en-US" sz="1200" dirty="0"/>
-                    </a:p>
-                  </a:txBody>
-                  <a:tcPr>
-                    <a:solidFill>
-                      <a:schemeClr val="bg1">
-                        <a:lumMod val="65000"/>
-                      </a:schemeClr>
-                    </a:solidFill>
-                  </a:tcPr>
-                </a:tc>
-                <a:tc>
-                  <a:txBody>
-                    <a:bodyPr/>
-                    <a:lstStyle/>
-                    <a:p>
-                      <a:pPr latinLnBrk="1"/>
-                      <a:r>
-                        <a:rPr lang="ko-KR" altLang="en-US" sz="1200" dirty="0" smtClean="0"/>
-                        <a:t>후</a:t>
-                      </a:r>
-                      <a:endParaRPr lang="ko-KR" altLang="en-US" sz="1200" dirty="0"/>
-                    </a:p>
-                  </a:txBody>
-                  <a:tcPr>
-                    <a:solidFill>
-                      <a:schemeClr val="bg1">
-                        <a:lumMod val="65000"/>
-                      </a:schemeClr>
-                    </a:solidFill>
-                  </a:tcPr>
-                </a:tc>
-              </a:tr>
-              <a:tr h="291555">
-                <a:tc>
-                  <a:txBody>
-                    <a:bodyPr/>
-                    <a:lstStyle/>
-                    <a:p>
-                      <a:pPr latinLnBrk="1"/>
-                      <a:r>
-                        <a:rPr lang="en-US" altLang="ko-KR" sz="1200" b="1" dirty="0" smtClean="0"/>
-                        <a:t>RMSE</a:t>
-                      </a:r>
-                      <a:endParaRPr lang="ko-KR" altLang="en-US" sz="1200" b="1" dirty="0"/>
-                    </a:p>
-                  </a:txBody>
-                  <a:tcPr>
-                    <a:solidFill>
-                      <a:schemeClr val="bg1">
-                        <a:lumMod val="65000"/>
-                      </a:schemeClr>
-                    </a:solidFill>
-                  </a:tcPr>
-                </a:tc>
-                <a:tc>
-                  <a:txBody>
-                    <a:bodyPr/>
-                    <a:lstStyle/>
-                    <a:p>
-                      <a:pPr latinLnBrk="1"/>
-                      <a:r>
-                        <a:rPr lang="en-US" altLang="ko-KR" sz="1200" dirty="0" smtClean="0"/>
-                        <a:t>426,227</a:t>
-                      </a:r>
-                      <a:endParaRPr lang="ko-KR" altLang="en-US" sz="1200" dirty="0"/>
-                    </a:p>
-                  </a:txBody>
-                  <a:tcPr>
-                    <a:solidFill>
-                      <a:schemeClr val="bg1">
-                        <a:lumMod val="85000"/>
-                      </a:schemeClr>
-                    </a:solidFill>
-                  </a:tcPr>
-                </a:tc>
-                <a:tc>
-                  <a:txBody>
-                    <a:bodyPr/>
-                    <a:lstStyle/>
-                    <a:p>
-                      <a:pPr latinLnBrk="1"/>
-                      <a:r>
-                        <a:rPr lang="en-US" altLang="ko-KR" sz="1200" dirty="0" smtClean="0"/>
-                        <a:t>395,452</a:t>
-                      </a:r>
-                      <a:endParaRPr lang="ko-KR" altLang="en-US" sz="1200" dirty="0"/>
-                    </a:p>
-                  </a:txBody>
-                  <a:tcPr>
-                    <a:solidFill>
-                      <a:schemeClr val="bg1">
-                        <a:lumMod val="85000"/>
-                      </a:schemeClr>
-                    </a:solidFill>
-                  </a:tcPr>
-                </a:tc>
-              </a:tr>
-              <a:tr h="291555">
-                <a:tc>
-                  <a:txBody>
-                    <a:bodyPr/>
-                    <a:lstStyle/>
-                    <a:p>
-                      <a:pPr latinLnBrk="1"/>
-                      <a:r>
-                        <a:rPr lang="en-US" altLang="ko-KR" sz="1200" b="1" dirty="0" smtClean="0"/>
-                        <a:t>Prediction</a:t>
-                      </a:r>
-                      <a:r>
-                        <a:rPr lang="en-US" altLang="ko-KR" sz="1200" b="1" baseline="0" dirty="0" smtClean="0"/>
-                        <a:t> Error</a:t>
-                      </a:r>
-                      <a:endParaRPr lang="ko-KR" altLang="en-US" sz="1200" b="1" dirty="0"/>
-                    </a:p>
-                  </a:txBody>
-                  <a:tcPr>
-                    <a:solidFill>
-                      <a:schemeClr val="bg1">
-                        <a:lumMod val="65000"/>
-                      </a:schemeClr>
-                    </a:solidFill>
-                  </a:tcPr>
-                </a:tc>
-                <a:tc>
-                  <a:txBody>
-                    <a:bodyPr/>
-                    <a:lstStyle/>
-                    <a:p>
-                      <a:pPr latinLnBrk="1"/>
-                      <a:r>
-                        <a:rPr lang="en-US" altLang="ko-KR" sz="1200" dirty="0" smtClean="0"/>
-                        <a:t>0.201</a:t>
-                      </a:r>
-                      <a:endParaRPr lang="ko-KR" altLang="en-US" sz="1200" dirty="0"/>
-                    </a:p>
-                  </a:txBody>
-                  <a:tcPr>
-                    <a:solidFill>
-                      <a:schemeClr val="bg1">
-                        <a:lumMod val="85000"/>
-                      </a:schemeClr>
-                    </a:solidFill>
-                  </a:tcPr>
-                </a:tc>
-                <a:tc>
-                  <a:txBody>
-                    <a:bodyPr/>
-                    <a:lstStyle/>
-                    <a:p>
-                      <a:pPr latinLnBrk="1"/>
-                      <a:r>
-                        <a:rPr lang="en-US" altLang="ko-KR" sz="1200" dirty="0" smtClean="0"/>
-                        <a:t>0.187</a:t>
-                      </a:r>
-                      <a:endParaRPr lang="ko-KR" altLang="en-US" sz="1200" dirty="0"/>
-                    </a:p>
-                  </a:txBody>
-                  <a:tcPr>
-                    <a:solidFill>
-                      <a:schemeClr val="bg1">
-                        <a:lumMod val="85000"/>
-                      </a:schemeClr>
-                    </a:solidFill>
-                  </a:tcPr>
-                </a:tc>
-              </a:tr>
-            </a:tbl>
-          </a:graphicData>
-        </a:graphic>
-      </p:graphicFrame>
       <p:sp>
         <p:nvSpPr>
-          <p:cNvPr id="11" name="TextBox 10"/>
+          <p:cNvPr id="16" name="TextBox 15"/>
           <p:cNvSpPr txBox="1"/>
           <p:nvPr/>
         </p:nvSpPr>
         <p:spPr>
           <a:xfrm>
-            <a:off x="251520" y="1052736"/>
-            <a:ext cx="5544616" cy="1569660"/>
+            <a:off x="395536" y="3501008"/>
+            <a:ext cx="1827744" cy="338554"/>
           </a:xfrm>
           <a:prstGeom prst="rect">
             <a:avLst/>
@@ -4928,7 +4983,7 @@
           <a:noFill/>
         </p:spPr>
         <p:txBody>
-          <a:bodyPr wrap="square" rtlCol="0">
+          <a:bodyPr wrap="none" rtlCol="0">
             <a:spAutoFit/>
           </a:bodyPr>
           <a:lstStyle/>
@@ -4938,62 +4993,99 @@
                 <a:latin typeface="HY그래픽M" pitchFamily="18" charset="-127"/>
                 <a:ea typeface="HY그래픽M" pitchFamily="18" charset="-127"/>
               </a:rPr>
-              <a:t>결과 비교 </a:t>
-            </a:r>
-            <a:endParaRPr lang="en-US" altLang="ko-KR" sz="1600" b="1" dirty="0" smtClean="0">
+              <a:t>모델 개선 가능성 </a:t>
+            </a:r>
+            <a:endParaRPr lang="ko-KR" altLang="en-US" sz="1600" b="1" dirty="0">
               <a:latin typeface="HY그래픽M" pitchFamily="18" charset="-127"/>
               <a:ea typeface="HY그래픽M" pitchFamily="18" charset="-127"/>
             </a:endParaRPr>
           </a:p>
-          <a:p>
-            <a:endParaRPr lang="en-US" altLang="ko-KR" sz="1600" b="1" dirty="0" smtClean="0">
-              <a:latin typeface="HY그래픽M" pitchFamily="18" charset="-127"/>
-              <a:ea typeface="HY그래픽M" pitchFamily="18" charset="-127"/>
-            </a:endParaRPr>
-          </a:p>
-          <a:p>
-            <a:endParaRPr lang="en-US" altLang="ko-KR" sz="1600" b="1" dirty="0" smtClean="0">
-              <a:latin typeface="HY그래픽M" pitchFamily="18" charset="-127"/>
-              <a:ea typeface="HY그래픽M" pitchFamily="18" charset="-127"/>
-            </a:endParaRPr>
-          </a:p>
-          <a:p>
-            <a:r>
-              <a:rPr lang="ko-KR" altLang="en-US" sz="1600" b="1" dirty="0" smtClean="0">
-                <a:latin typeface="HY그래픽M" pitchFamily="18" charset="-127"/>
-                <a:ea typeface="HY그래픽M" pitchFamily="18" charset="-127"/>
-              </a:rPr>
-              <a:t>개선점 </a:t>
-            </a:r>
-            <a:endParaRPr lang="en-US" altLang="ko-KR" sz="1600" b="1" dirty="0" smtClean="0">
-              <a:latin typeface="HY그래픽M" pitchFamily="18" charset="-127"/>
-              <a:ea typeface="HY그래픽M" pitchFamily="18" charset="-127"/>
-            </a:endParaRPr>
-          </a:p>
-          <a:p>
-            <a:endParaRPr lang="en-US" altLang="ko-KR" sz="1600" b="1" dirty="0" smtClean="0">
-              <a:latin typeface="HY그래픽M" pitchFamily="18" charset="-127"/>
-              <a:ea typeface="HY그래픽M" pitchFamily="18" charset="-127"/>
-            </a:endParaRPr>
-          </a:p>
-          <a:p>
-            <a:endParaRPr lang="en-US" altLang="ko-KR" sz="1600" b="1" dirty="0" smtClean="0">
-              <a:latin typeface="HY그래픽M" pitchFamily="18" charset="-127"/>
-              <a:ea typeface="HY그래픽M" pitchFamily="18" charset="-127"/>
-            </a:endParaRPr>
-          </a:p>
         </p:txBody>
       </p:sp>
+      <p:cxnSp>
+        <p:nvCxnSpPr>
+          <p:cNvPr id="19" name="직선 연결선 18"/>
+          <p:cNvCxnSpPr/>
+          <p:nvPr/>
+        </p:nvCxnSpPr>
+        <p:spPr>
+          <a:xfrm>
+            <a:off x="395536" y="3861048"/>
+            <a:ext cx="8352928" cy="0"/>
+          </a:xfrm>
+          <a:prstGeom prst="line">
+            <a:avLst/>
+          </a:prstGeom>
+          <a:ln w="19050">
+            <a:solidFill>
+              <a:schemeClr val="bg1">
+                <a:lumMod val="50000"/>
+              </a:schemeClr>
+            </a:solidFill>
+          </a:ln>
+        </p:spPr>
+        <p:style>
+          <a:lnRef idx="1">
+            <a:schemeClr val="accent1"/>
+          </a:lnRef>
+          <a:fillRef idx="0">
+            <a:schemeClr val="accent1"/>
+          </a:fillRef>
+          <a:effectRef idx="0">
+            <a:schemeClr val="accent1"/>
+          </a:effectRef>
+          <a:fontRef idx="minor">
+            <a:schemeClr val="tx1"/>
+          </a:fontRef>
+        </p:style>
+      </p:cxnSp>
+      <p:cxnSp>
+        <p:nvCxnSpPr>
+          <p:cNvPr id="21" name="직선 연결선 20"/>
+          <p:cNvCxnSpPr/>
+          <p:nvPr/>
+        </p:nvCxnSpPr>
+        <p:spPr>
+          <a:xfrm>
+            <a:off x="467544" y="1268760"/>
+            <a:ext cx="8136904" cy="0"/>
+          </a:xfrm>
+          <a:prstGeom prst="line">
+            <a:avLst/>
+          </a:prstGeom>
+          <a:ln w="19050">
+            <a:solidFill>
+              <a:schemeClr val="bg1">
+                <a:lumMod val="50000"/>
+              </a:schemeClr>
+            </a:solidFill>
+          </a:ln>
+        </p:spPr>
+        <p:style>
+          <a:lnRef idx="1">
+            <a:schemeClr val="accent1"/>
+          </a:lnRef>
+          <a:fillRef idx="0">
+            <a:schemeClr val="accent1"/>
+          </a:fillRef>
+          <a:effectRef idx="0">
+            <a:schemeClr val="accent1"/>
+          </a:effectRef>
+          <a:fontRef idx="minor">
+            <a:schemeClr val="tx1"/>
+          </a:fontRef>
+        </p:style>
+      </p:cxnSp>
       <p:sp>
         <p:nvSpPr>
-          <p:cNvPr id="12" name="TextBox 11"/>
+          <p:cNvPr id="23" name="TextBox 22"/>
           <p:cNvSpPr txBox="1"/>
           <p:nvPr/>
         </p:nvSpPr>
         <p:spPr>
           <a:xfrm>
-            <a:off x="251520" y="44624"/>
-            <a:ext cx="8568952" cy="430887"/>
+            <a:off x="467544" y="908720"/>
+            <a:ext cx="1800493" cy="338554"/>
           </a:xfrm>
           <a:prstGeom prst="rect">
             <a:avLst/>
@@ -5001,35 +5093,21 @@
           <a:noFill/>
         </p:spPr>
         <p:txBody>
-          <a:bodyPr wrap="square" rtlCol="0">
+          <a:bodyPr wrap="none" rtlCol="0">
             <a:spAutoFit/>
           </a:bodyPr>
           <a:lstStyle/>
           <a:p>
             <a:r>
-              <a:rPr lang="en-US" altLang="ko-KR" sz="2200" dirty="0">
-                <a:latin typeface="HY견고딕" pitchFamily="18" charset="-127"/>
-                <a:ea typeface="HY견고딕" pitchFamily="18" charset="-127"/>
-              </a:rPr>
-              <a:t>4</a:t>
-            </a:r>
-            <a:r>
-              <a:rPr lang="en-US" altLang="ko-KR" sz="2200" dirty="0" smtClean="0">
-                <a:latin typeface="HY견고딕" pitchFamily="18" charset="-127"/>
-                <a:ea typeface="HY견고딕" pitchFamily="18" charset="-127"/>
-              </a:rPr>
-              <a:t>. </a:t>
-            </a:r>
-            <a:r>
-              <a:rPr lang="en-US" altLang="ko-KR" sz="2200" dirty="0" smtClean="0">
-                <a:latin typeface="HY견고딕" pitchFamily="18" charset="-127"/>
-                <a:ea typeface="HY견고딕" pitchFamily="18" charset="-127"/>
-              </a:rPr>
-              <a:t>Summary </a:t>
-            </a:r>
-            <a:endParaRPr lang="ko-KR" altLang="en-US" dirty="0">
-              <a:latin typeface="HY견고딕" pitchFamily="18" charset="-127"/>
-              <a:ea typeface="HY견고딕" pitchFamily="18" charset="-127"/>
+              <a:rPr lang="ko-KR" altLang="en-US" sz="1600" b="1" dirty="0" smtClean="0">
+                <a:latin typeface="HY그래픽M" pitchFamily="18" charset="-127"/>
+                <a:ea typeface="HY그래픽M" pitchFamily="18" charset="-127"/>
+              </a:rPr>
+              <a:t>모델 별 결과 비교</a:t>
+            </a:r>
+            <a:endParaRPr lang="ko-KR" altLang="en-US" sz="1600" b="1" dirty="0">
+              <a:latin typeface="HY그래픽M" pitchFamily="18" charset="-127"/>
+              <a:ea typeface="HY그래픽M" pitchFamily="18" charset="-127"/>
             </a:endParaRPr>
           </a:p>
         </p:txBody>
@@ -5190,8 +5268,180 @@
         </p:nvSpPr>
         <p:spPr>
           <a:xfrm>
-            <a:off x="467544" y="1873855"/>
-            <a:ext cx="5040560" cy="3139321"/>
+            <a:off x="395536" y="2132856"/>
+            <a:ext cx="4392488" cy="3724096"/>
+          </a:xfrm>
+          <a:prstGeom prst="rect">
+            <a:avLst/>
+          </a:prstGeom>
+          <a:solidFill>
+            <a:schemeClr val="bg1">
+              <a:lumMod val="95000"/>
+              <a:alpha val="33000"/>
+            </a:schemeClr>
+          </a:solidFill>
+        </p:spPr>
+        <p:txBody>
+          <a:bodyPr wrap="square" rtlCol="0">
+            <a:spAutoFit/>
+          </a:bodyPr>
+          <a:lstStyle/>
+          <a:p>
+            <a:pPr marL="342900" indent="-342900">
+              <a:buAutoNum type="arabicPeriod"/>
+            </a:pPr>
+            <a:endParaRPr lang="en-US" altLang="ko-KR" sz="2000" b="1" dirty="0" smtClean="0">
+              <a:latin typeface="HY그래픽M" pitchFamily="18" charset="-127"/>
+              <a:ea typeface="HY그래픽M" pitchFamily="18" charset="-127"/>
+            </a:endParaRPr>
+          </a:p>
+          <a:p>
+            <a:pPr marL="342900" indent="-342900">
+              <a:buAutoNum type="arabicPeriod"/>
+            </a:pPr>
+            <a:endParaRPr lang="en-US" altLang="ko-KR" b="1" dirty="0" smtClean="0">
+              <a:latin typeface="HY그래픽M" pitchFamily="18" charset="-127"/>
+              <a:ea typeface="HY그래픽M" pitchFamily="18" charset="-127"/>
+            </a:endParaRPr>
+          </a:p>
+          <a:p>
+            <a:pPr marL="342900" indent="-342900">
+              <a:buAutoNum type="arabicPeriod"/>
+            </a:pPr>
+            <a:r>
+              <a:rPr lang="ko-KR" altLang="en-US" b="1" dirty="0" smtClean="0">
+                <a:latin typeface="HY그래픽M" pitchFamily="18" charset="-127"/>
+                <a:ea typeface="HY그래픽M" pitchFamily="18" charset="-127"/>
+              </a:rPr>
+              <a:t>데이터 </a:t>
+            </a:r>
+            <a:r>
+              <a:rPr lang="ko-KR" altLang="en-US" b="1" dirty="0" smtClean="0">
+                <a:latin typeface="HY그래픽M" pitchFamily="18" charset="-127"/>
+                <a:ea typeface="HY그래픽M" pitchFamily="18" charset="-127"/>
+              </a:rPr>
+              <a:t>전처리 및 </a:t>
+            </a:r>
+            <a:r>
+              <a:rPr lang="en-US" altLang="ko-KR" b="1" dirty="0" smtClean="0">
+                <a:latin typeface="HY그래픽M" pitchFamily="18" charset="-127"/>
+                <a:ea typeface="HY그래픽M" pitchFamily="18" charset="-127"/>
+              </a:rPr>
+              <a:t>EDA</a:t>
+            </a:r>
+          </a:p>
+          <a:p>
+            <a:pPr marL="342900" indent="-342900">
+              <a:buAutoNum type="arabicPeriod"/>
+            </a:pPr>
+            <a:endParaRPr lang="en-US" altLang="ko-KR" b="1" dirty="0" smtClean="0">
+              <a:latin typeface="HY그래픽M" pitchFamily="18" charset="-127"/>
+              <a:ea typeface="HY그래픽M" pitchFamily="18" charset="-127"/>
+            </a:endParaRPr>
+          </a:p>
+          <a:p>
+            <a:pPr marL="342900" indent="-342900">
+              <a:buAutoNum type="arabicPeriod"/>
+            </a:pPr>
+            <a:r>
+              <a:rPr lang="ko-KR" altLang="en-US" b="1" dirty="0" smtClean="0">
+                <a:latin typeface="HY그래픽M" pitchFamily="18" charset="-127"/>
+                <a:ea typeface="HY그래픽M" pitchFamily="18" charset="-127"/>
+              </a:rPr>
+              <a:t>모델 적용 및 </a:t>
+            </a:r>
+            <a:r>
+              <a:rPr lang="ko-KR" altLang="en-US" b="1" dirty="0" smtClean="0">
+                <a:latin typeface="HY그래픽M" pitchFamily="18" charset="-127"/>
+                <a:ea typeface="HY그래픽M" pitchFamily="18" charset="-127"/>
+              </a:rPr>
+              <a:t>분석 </a:t>
+            </a:r>
+            <a:endParaRPr lang="en-US" altLang="ko-KR" b="1" dirty="0" smtClean="0">
+              <a:latin typeface="HY그래픽M" pitchFamily="18" charset="-127"/>
+              <a:ea typeface="HY그래픽M" pitchFamily="18" charset="-127"/>
+            </a:endParaRPr>
+          </a:p>
+          <a:p>
+            <a:pPr marL="342900" indent="-342900"/>
+            <a:r>
+              <a:rPr lang="en-US" altLang="ko-KR" b="1" dirty="0" smtClean="0">
+                <a:latin typeface="HY그래픽M" pitchFamily="18" charset="-127"/>
+                <a:ea typeface="HY그래픽M" pitchFamily="18" charset="-127"/>
+              </a:rPr>
+              <a:t>     1)  Random Forest</a:t>
+            </a:r>
+          </a:p>
+          <a:p>
+            <a:pPr marL="342900" indent="-342900"/>
+            <a:r>
+              <a:rPr lang="en-US" altLang="ko-KR" b="1" dirty="0" smtClean="0">
+                <a:latin typeface="HY그래픽M" pitchFamily="18" charset="-127"/>
+                <a:ea typeface="HY그래픽M" pitchFamily="18" charset="-127"/>
+              </a:rPr>
+              <a:t>     2)  Support Vector Machine</a:t>
+            </a:r>
+          </a:p>
+          <a:p>
+            <a:pPr marL="342900" indent="-342900"/>
+            <a:r>
+              <a:rPr lang="en-US" altLang="ko-KR" b="1" dirty="0" smtClean="0">
+                <a:latin typeface="HY그래픽M" pitchFamily="18" charset="-127"/>
+                <a:ea typeface="HY그래픽M" pitchFamily="18" charset="-127"/>
+              </a:rPr>
+              <a:t>     3)  Decision Tree + Regression</a:t>
+            </a:r>
+          </a:p>
+          <a:p>
+            <a:pPr marL="342900" indent="-342900"/>
+            <a:endParaRPr lang="en-US" altLang="ko-KR" b="1" dirty="0" smtClean="0">
+              <a:latin typeface="HY그래픽M" pitchFamily="18" charset="-127"/>
+              <a:ea typeface="HY그래픽M" pitchFamily="18" charset="-127"/>
+            </a:endParaRPr>
+          </a:p>
+          <a:p>
+            <a:pPr marL="342900" indent="-342900"/>
+            <a:r>
+              <a:rPr lang="en-US" altLang="ko-KR" b="1" dirty="0" smtClean="0">
+                <a:latin typeface="HY그래픽M" pitchFamily="18" charset="-127"/>
+                <a:ea typeface="HY그래픽M" pitchFamily="18" charset="-127"/>
+              </a:rPr>
+              <a:t>3.  Summary   </a:t>
+            </a:r>
+          </a:p>
+          <a:p>
+            <a:pPr marL="342900" indent="-342900"/>
+            <a:endParaRPr lang="en-US" altLang="ko-KR" dirty="0" smtClean="0">
+              <a:latin typeface="HY견고딕" pitchFamily="18" charset="-127"/>
+              <a:ea typeface="HY견고딕" pitchFamily="18" charset="-127"/>
+            </a:endParaRPr>
+          </a:p>
+          <a:p>
+            <a:pPr marL="342900" indent="-342900"/>
+            <a:endParaRPr lang="en-US" altLang="ko-KR" dirty="0" smtClean="0">
+              <a:latin typeface="HY견고딕" pitchFamily="18" charset="-127"/>
+              <a:ea typeface="HY견고딕" pitchFamily="18" charset="-127"/>
+            </a:endParaRPr>
+          </a:p>
+          <a:p>
+            <a:pPr marL="342900" indent="-342900"/>
+            <a:endParaRPr lang="ko-KR" altLang="en-US" dirty="0">
+              <a:latin typeface="HY견고딕" pitchFamily="18" charset="-127"/>
+              <a:ea typeface="HY견고딕" pitchFamily="18" charset="-127"/>
+            </a:endParaRPr>
+          </a:p>
+        </p:txBody>
+      </p:sp>
+      <p:sp>
+        <p:nvSpPr>
+          <p:cNvPr id="14" name="TextBox 13"/>
+          <p:cNvSpPr txBox="1"/>
+          <p:nvPr/>
+        </p:nvSpPr>
+        <p:spPr>
+          <a:xfrm>
+            <a:off x="323528" y="982469"/>
+            <a:ext cx="8568952" cy="646331"/>
           </a:xfrm>
           <a:prstGeom prst="rect">
             <a:avLst/>
@@ -5204,239 +5454,84 @@
           </a:bodyPr>
           <a:lstStyle/>
           <a:p>
-            <a:pPr marL="342900" indent="-342900">
-              <a:buAutoNum type="arabicPeriod"/>
-            </a:pPr>
-            <a:endParaRPr lang="en-US" altLang="ko-KR" dirty="0" smtClean="0">
-              <a:latin typeface="HY견고딕" pitchFamily="18" charset="-127"/>
-              <a:ea typeface="HY견고딕" pitchFamily="18" charset="-127"/>
-            </a:endParaRPr>
-          </a:p>
-          <a:p>
-            <a:pPr marL="342900" indent="-342900">
-              <a:buAutoNum type="arabicPeriod"/>
-            </a:pPr>
-            <a:r>
-              <a:rPr lang="ko-KR" altLang="en-US" dirty="0" smtClean="0">
-                <a:latin typeface="HY견고딕" pitchFamily="18" charset="-127"/>
-                <a:ea typeface="HY견고딕" pitchFamily="18" charset="-127"/>
-              </a:rPr>
-              <a:t>데이터 </a:t>
-            </a:r>
-            <a:r>
-              <a:rPr lang="ko-KR" altLang="en-US" dirty="0" smtClean="0">
-                <a:latin typeface="HY견고딕" pitchFamily="18" charset="-127"/>
-                <a:ea typeface="HY견고딕" pitchFamily="18" charset="-127"/>
-              </a:rPr>
-              <a:t>전처리 및 </a:t>
-            </a:r>
-            <a:r>
-              <a:rPr lang="en-US" altLang="ko-KR" dirty="0" smtClean="0">
-                <a:latin typeface="HY견고딕" pitchFamily="18" charset="-127"/>
-                <a:ea typeface="HY견고딕" pitchFamily="18" charset="-127"/>
-              </a:rPr>
-              <a:t>EDA</a:t>
-            </a:r>
-          </a:p>
-          <a:p>
-            <a:pPr marL="342900" indent="-342900">
-              <a:buAutoNum type="arabicPeriod"/>
-            </a:pPr>
-            <a:endParaRPr lang="en-US" altLang="ko-KR" dirty="0" smtClean="0">
-              <a:latin typeface="HY견고딕" pitchFamily="18" charset="-127"/>
-              <a:ea typeface="HY견고딕" pitchFamily="18" charset="-127"/>
-            </a:endParaRPr>
-          </a:p>
-          <a:p>
-            <a:pPr marL="342900" indent="-342900">
-              <a:buAutoNum type="arabicPeriod"/>
-            </a:pPr>
-            <a:r>
-              <a:rPr lang="ko-KR" altLang="en-US" dirty="0" smtClean="0">
-                <a:latin typeface="HY견고딕" pitchFamily="18" charset="-127"/>
-                <a:ea typeface="HY견고딕" pitchFamily="18" charset="-127"/>
-              </a:rPr>
-              <a:t>모델 적용 및 분석 </a:t>
-            </a:r>
-            <a:endParaRPr lang="en-US" altLang="ko-KR" dirty="0" smtClean="0">
-              <a:latin typeface="HY견고딕" pitchFamily="18" charset="-127"/>
-              <a:ea typeface="HY견고딕" pitchFamily="18" charset="-127"/>
-            </a:endParaRPr>
-          </a:p>
-          <a:p>
-            <a:pPr marL="342900" indent="-342900"/>
-            <a:r>
-              <a:rPr lang="en-US" altLang="ko-KR" dirty="0" smtClean="0">
-                <a:latin typeface="HY견고딕" pitchFamily="18" charset="-127"/>
-                <a:ea typeface="HY견고딕" pitchFamily="18" charset="-127"/>
-              </a:rPr>
-              <a:t>     1) </a:t>
-            </a:r>
-            <a:r>
-              <a:rPr lang="en-US" altLang="ko-KR" dirty="0" err="1" smtClean="0">
-                <a:latin typeface="HY견고딕" pitchFamily="18" charset="-127"/>
-                <a:ea typeface="HY견고딕" pitchFamily="18" charset="-127"/>
-              </a:rPr>
-              <a:t>RandomForest</a:t>
-            </a:r>
-            <a:endParaRPr lang="en-US" altLang="ko-KR" dirty="0" smtClean="0">
-              <a:latin typeface="HY견고딕" pitchFamily="18" charset="-127"/>
-              <a:ea typeface="HY견고딕" pitchFamily="18" charset="-127"/>
-            </a:endParaRPr>
-          </a:p>
-          <a:p>
-            <a:pPr marL="342900" indent="-342900"/>
-            <a:r>
-              <a:rPr lang="en-US" altLang="ko-KR" dirty="0" smtClean="0">
-                <a:latin typeface="HY견고딕" pitchFamily="18" charset="-127"/>
-                <a:ea typeface="HY견고딕" pitchFamily="18" charset="-127"/>
-              </a:rPr>
-              <a:t>     2) Support Vector Machine</a:t>
-            </a:r>
-          </a:p>
-          <a:p>
-            <a:pPr marL="342900" indent="-342900"/>
-            <a:r>
-              <a:rPr lang="en-US" altLang="ko-KR" dirty="0" smtClean="0">
-                <a:latin typeface="HY견고딕" pitchFamily="18" charset="-127"/>
-                <a:ea typeface="HY견고딕" pitchFamily="18" charset="-127"/>
-              </a:rPr>
-              <a:t>     3) Decision Tree + Regression</a:t>
-            </a:r>
-          </a:p>
-          <a:p>
-            <a:pPr marL="342900" indent="-342900"/>
-            <a:endParaRPr lang="en-US" altLang="ko-KR" dirty="0" smtClean="0">
-              <a:latin typeface="HY견고딕" pitchFamily="18" charset="-127"/>
-              <a:ea typeface="HY견고딕" pitchFamily="18" charset="-127"/>
-            </a:endParaRPr>
-          </a:p>
-          <a:p>
-            <a:pPr marL="342900" indent="-342900"/>
-            <a:r>
-              <a:rPr lang="en-US" altLang="ko-KR" dirty="0" smtClean="0">
-                <a:latin typeface="HY견고딕" pitchFamily="18" charset="-127"/>
-                <a:ea typeface="HY견고딕" pitchFamily="18" charset="-127"/>
-              </a:rPr>
-              <a:t>3. Summary   </a:t>
-            </a:r>
-          </a:p>
-          <a:p>
-            <a:pPr marL="342900" indent="-342900"/>
-            <a:endParaRPr lang="en-US" altLang="ko-KR" dirty="0" smtClean="0">
-              <a:latin typeface="HY견고딕" pitchFamily="18" charset="-127"/>
-              <a:ea typeface="HY견고딕" pitchFamily="18" charset="-127"/>
-            </a:endParaRPr>
-          </a:p>
-          <a:p>
-            <a:pPr marL="342900" indent="-342900"/>
-            <a:endParaRPr lang="ko-KR" altLang="en-US" dirty="0">
-              <a:latin typeface="HY견고딕" pitchFamily="18" charset="-127"/>
-              <a:ea typeface="HY견고딕" pitchFamily="18" charset="-127"/>
-            </a:endParaRPr>
-          </a:p>
-        </p:txBody>
-      </p:sp>
-      <p:sp>
-        <p:nvSpPr>
-          <p:cNvPr id="14" name="TextBox 13"/>
-          <p:cNvSpPr txBox="1"/>
-          <p:nvPr/>
-        </p:nvSpPr>
-        <p:spPr>
-          <a:xfrm>
-            <a:off x="323528" y="611977"/>
-            <a:ext cx="8568952" cy="584775"/>
-          </a:xfrm>
-          <a:prstGeom prst="rect">
-            <a:avLst/>
-          </a:prstGeom>
-          <a:noFill/>
-        </p:spPr>
-        <p:txBody>
-          <a:bodyPr wrap="square" rtlCol="0">
-            <a:spAutoFit/>
-          </a:bodyPr>
-          <a:lstStyle/>
-          <a:p>
-            <a:r>
-              <a:rPr lang="en-US" altLang="ko-KR" sz="1600" b="1" dirty="0" smtClean="0">
+            <a:r>
+              <a:rPr lang="en-US" altLang="ko-KR" b="1" dirty="0" smtClean="0">
                 <a:latin typeface="HY그래픽M" pitchFamily="18" charset="-127"/>
                 <a:ea typeface="HY그래픽M" pitchFamily="18" charset="-127"/>
               </a:rPr>
               <a:t>Melbourne</a:t>
             </a:r>
             <a:r>
-              <a:rPr lang="ko-KR" altLang="en-US" sz="1600" b="1" dirty="0" smtClean="0">
+              <a:rPr lang="ko-KR" altLang="en-US" b="1" dirty="0" smtClean="0">
                 <a:latin typeface="HY그래픽M" pitchFamily="18" charset="-127"/>
                 <a:ea typeface="HY그래픽M" pitchFamily="18" charset="-127"/>
               </a:rPr>
               <a:t> </a:t>
             </a:r>
             <a:r>
-              <a:rPr lang="en-US" altLang="ko-KR" sz="1600" b="1" dirty="0" smtClean="0">
+              <a:rPr lang="en-US" altLang="ko-KR" b="1" dirty="0" smtClean="0">
                 <a:latin typeface="HY그래픽M" pitchFamily="18" charset="-127"/>
                 <a:ea typeface="HY그래픽M" pitchFamily="18" charset="-127"/>
               </a:rPr>
               <a:t>Housing Market </a:t>
             </a:r>
             <a:r>
-              <a:rPr lang="ko-KR" altLang="en-US" sz="1600" b="1" dirty="0" smtClean="0">
+              <a:rPr lang="ko-KR" altLang="en-US" b="1" dirty="0" smtClean="0">
                 <a:latin typeface="HY그래픽M" pitchFamily="18" charset="-127"/>
                 <a:ea typeface="HY그래픽M" pitchFamily="18" charset="-127"/>
               </a:rPr>
               <a:t>데이터를 </a:t>
             </a:r>
             <a:r>
-              <a:rPr lang="en-US" altLang="ko-KR" sz="1600" b="1" dirty="0" smtClean="0">
+              <a:rPr lang="en-US" altLang="ko-KR" b="1" dirty="0" smtClean="0">
                 <a:latin typeface="HY그래픽M" pitchFamily="18" charset="-127"/>
                 <a:ea typeface="HY그래픽M" pitchFamily="18" charset="-127"/>
               </a:rPr>
               <a:t>Data Mining </a:t>
             </a:r>
             <a:r>
-              <a:rPr lang="ko-KR" altLang="en-US" sz="1600" b="1" dirty="0" smtClean="0">
+              <a:rPr lang="ko-KR" altLang="en-US" b="1" dirty="0" smtClean="0">
                 <a:latin typeface="HY그래픽M" pitchFamily="18" charset="-127"/>
                 <a:ea typeface="HY그래픽M" pitchFamily="18" charset="-127"/>
               </a:rPr>
               <a:t>및 </a:t>
             </a:r>
             <a:r>
-              <a:rPr lang="en-US" altLang="ko-KR" sz="1600" b="1" dirty="0" smtClean="0">
+              <a:rPr lang="en-US" altLang="ko-KR" b="1" dirty="0" smtClean="0">
                 <a:latin typeface="HY그래픽M" pitchFamily="18" charset="-127"/>
                 <a:ea typeface="HY그래픽M" pitchFamily="18" charset="-127"/>
               </a:rPr>
               <a:t>Machine Learning</a:t>
             </a:r>
             <a:r>
-              <a:rPr lang="ko-KR" altLang="en-US" sz="1600" b="1" dirty="0" smtClean="0">
+              <a:rPr lang="ko-KR" altLang="en-US" b="1" dirty="0" smtClean="0">
                 <a:latin typeface="HY그래픽M" pitchFamily="18" charset="-127"/>
                 <a:ea typeface="HY그래픽M" pitchFamily="18" charset="-127"/>
               </a:rPr>
               <a:t> 기법을 활용하여 </a:t>
             </a:r>
             <a:r>
-              <a:rPr lang="en-US" altLang="ko-KR" sz="1600" b="1" dirty="0" smtClean="0">
+              <a:rPr lang="en-US" altLang="ko-KR" b="1" dirty="0" smtClean="0">
                 <a:latin typeface="HY그래픽M" pitchFamily="18" charset="-127"/>
                 <a:ea typeface="HY그래픽M" pitchFamily="18" charset="-127"/>
               </a:rPr>
               <a:t>Price</a:t>
             </a:r>
             <a:r>
-              <a:rPr lang="ko-KR" altLang="en-US" sz="1600" b="1" dirty="0" smtClean="0">
+              <a:rPr lang="ko-KR" altLang="en-US" b="1" dirty="0" smtClean="0">
                 <a:latin typeface="HY그래픽M" pitchFamily="18" charset="-127"/>
                 <a:ea typeface="HY그래픽M" pitchFamily="18" charset="-127"/>
               </a:rPr>
               <a:t>를 예측하는 모델을 만들어 분석함 </a:t>
             </a:r>
             <a:r>
-              <a:rPr lang="ko-KR" altLang="en-US" sz="1600" b="1" dirty="0" smtClean="0">
+              <a:rPr lang="ko-KR" altLang="en-US" b="1" dirty="0" smtClean="0">
                 <a:latin typeface="HY그래픽M" pitchFamily="18" charset="-127"/>
                 <a:ea typeface="HY그래픽M" pitchFamily="18" charset="-127"/>
               </a:rPr>
               <a:t> </a:t>
             </a:r>
-            <a:endParaRPr lang="en-US" altLang="ko-KR" sz="1600" b="1" dirty="0" smtClean="0">
+            <a:endParaRPr lang="en-US" altLang="ko-KR" b="1" dirty="0" smtClean="0">
               <a:latin typeface="HY그래픽M" pitchFamily="18" charset="-127"/>
               <a:ea typeface="HY그래픽M" pitchFamily="18" charset="-127"/>
             </a:endParaRPr>
@@ -5451,7 +5546,7 @@
         </p:nvSpPr>
         <p:spPr>
           <a:xfrm>
-            <a:off x="4572000" y="3861048"/>
+            <a:off x="5364088" y="3284984"/>
             <a:ext cx="1152128" cy="1152128"/>
           </a:xfrm>
           <a:prstGeom prst="ellipse">
@@ -5461,13 +5556,11 @@
             <a:schemeClr val="tx2">
               <a:lumMod val="40000"/>
               <a:lumOff val="60000"/>
-              <a:alpha val="70000"/>
+              <a:alpha val="84000"/>
             </a:schemeClr>
           </a:solidFill>
           <a:ln>
-            <a:solidFill>
-              <a:srgbClr val="5E89BE"/>
-            </a:solidFill>
+            <a:noFill/>
           </a:ln>
         </p:spPr>
         <p:style>
@@ -5492,17 +5585,34 @@
           <a:p>
             <a:pPr algn="ctr"/>
             <a:r>
-              <a:rPr lang="en-US" altLang="ko-KR" dirty="0" smtClean="0"/>
-              <a:t>Bath</a:t>
-            </a:r>
+              <a:rPr lang="en-US" altLang="ko-KR" sz="1400" dirty="0" smtClean="0">
+                <a:latin typeface="Arial Unicode MS" pitchFamily="50" charset="-127"/>
+                <a:ea typeface="Arial Unicode MS" pitchFamily="50" charset="-127"/>
+                <a:cs typeface="Arial Unicode MS" pitchFamily="50" charset="-127"/>
+              </a:rPr>
+              <a:t>Bath-</a:t>
+            </a:r>
+            <a:endParaRPr lang="en-US" altLang="ko-KR" sz="1400" dirty="0" smtClean="0">
+              <a:latin typeface="Arial Unicode MS" pitchFamily="50" charset="-127"/>
+              <a:ea typeface="Arial Unicode MS" pitchFamily="50" charset="-127"/>
+              <a:cs typeface="Arial Unicode MS" pitchFamily="50" charset="-127"/>
+            </a:endParaRPr>
           </a:p>
           <a:p>
             <a:pPr algn="ctr"/>
             <a:r>
-              <a:rPr lang="en-US" altLang="ko-KR" dirty="0" smtClean="0"/>
+              <a:rPr lang="en-US" altLang="ko-KR" sz="1400" dirty="0" smtClean="0">
+                <a:latin typeface="Arial Unicode MS" pitchFamily="50" charset="-127"/>
+                <a:ea typeface="Arial Unicode MS" pitchFamily="50" charset="-127"/>
+                <a:cs typeface="Arial Unicode MS" pitchFamily="50" charset="-127"/>
+              </a:rPr>
               <a:t>room</a:t>
             </a:r>
-            <a:endParaRPr lang="ko-KR" altLang="en-US" dirty="0"/>
+            <a:endParaRPr lang="ko-KR" altLang="en-US" sz="1400" dirty="0">
+              <a:latin typeface="Arial Unicode MS" pitchFamily="50" charset="-127"/>
+              <a:ea typeface="Arial Unicode MS" pitchFamily="50" charset="-127"/>
+              <a:cs typeface="Arial Unicode MS" pitchFamily="50" charset="-127"/>
+            </a:endParaRPr>
           </a:p>
         </p:txBody>
       </p:sp>
@@ -5514,7 +5624,7 @@
         </p:nvSpPr>
         <p:spPr>
           <a:xfrm>
-            <a:off x="7092280" y="5085184"/>
+            <a:off x="6732240" y="5157192"/>
             <a:ext cx="1152128" cy="1152128"/>
           </a:xfrm>
           <a:prstGeom prst="ellipse">
@@ -5524,13 +5634,11 @@
             <a:schemeClr val="tx2">
               <a:lumMod val="40000"/>
               <a:lumOff val="60000"/>
-              <a:alpha val="70000"/>
+              <a:alpha val="84000"/>
             </a:schemeClr>
           </a:solidFill>
           <a:ln>
-            <a:solidFill>
-              <a:srgbClr val="5E89BE"/>
-            </a:solidFill>
+            <a:noFill/>
           </a:ln>
         </p:spPr>
         <p:style>
@@ -5555,17 +5663,29 @@
           <a:p>
             <a:pPr algn="ctr"/>
             <a:r>
-              <a:rPr lang="en-US" altLang="ko-KR" dirty="0" smtClean="0"/>
+              <a:rPr lang="en-US" altLang="ko-KR" sz="1400" dirty="0" smtClean="0">
+                <a:latin typeface="Arial Unicode MS" pitchFamily="50" charset="-127"/>
+                <a:ea typeface="Arial Unicode MS" pitchFamily="50" charset="-127"/>
+                <a:cs typeface="Arial Unicode MS" pitchFamily="50" charset="-127"/>
+              </a:rPr>
               <a:t>Land</a:t>
             </a:r>
           </a:p>
           <a:p>
             <a:pPr algn="ctr"/>
             <a:r>
-              <a:rPr lang="en-US" altLang="ko-KR" dirty="0" smtClean="0"/>
+              <a:rPr lang="en-US" altLang="ko-KR" sz="1400" dirty="0" smtClean="0">
+                <a:latin typeface="Arial Unicode MS" pitchFamily="50" charset="-127"/>
+                <a:ea typeface="Arial Unicode MS" pitchFamily="50" charset="-127"/>
+                <a:cs typeface="Arial Unicode MS" pitchFamily="50" charset="-127"/>
+              </a:rPr>
               <a:t>size</a:t>
             </a:r>
-            <a:endParaRPr lang="ko-KR" altLang="en-US" dirty="0"/>
+            <a:endParaRPr lang="ko-KR" altLang="en-US" sz="1400" dirty="0">
+              <a:latin typeface="Arial Unicode MS" pitchFamily="50" charset="-127"/>
+              <a:ea typeface="Arial Unicode MS" pitchFamily="50" charset="-127"/>
+              <a:cs typeface="Arial Unicode MS" pitchFamily="50" charset="-127"/>
+            </a:endParaRPr>
           </a:p>
         </p:txBody>
       </p:sp>
@@ -5577,7 +5697,7 @@
         </p:nvSpPr>
         <p:spPr>
           <a:xfrm>
-            <a:off x="7596336" y="3861048"/>
+            <a:off x="7164288" y="4293096"/>
             <a:ext cx="1152128" cy="1152128"/>
           </a:xfrm>
           <a:prstGeom prst="ellipse">
@@ -5587,13 +5707,11 @@
             <a:schemeClr val="tx2">
               <a:lumMod val="40000"/>
               <a:lumOff val="60000"/>
-              <a:alpha val="70000"/>
+              <a:alpha val="84000"/>
             </a:schemeClr>
           </a:solidFill>
           <a:ln>
-            <a:solidFill>
-              <a:srgbClr val="5E89BE"/>
-            </a:solidFill>
+            <a:noFill/>
           </a:ln>
         </p:spPr>
         <p:style>
@@ -5618,10 +5736,18 @@
           <a:p>
             <a:pPr algn="ctr"/>
             <a:r>
-              <a:rPr lang="en-US" altLang="ko-KR" dirty="0" smtClean="0"/>
+              <a:rPr lang="en-US" altLang="ko-KR" sz="1400" dirty="0" smtClean="0">
+                <a:latin typeface="Arial Unicode MS" pitchFamily="50" charset="-127"/>
+                <a:ea typeface="Arial Unicode MS" pitchFamily="50" charset="-127"/>
+                <a:cs typeface="Arial Unicode MS" pitchFamily="50" charset="-127"/>
+              </a:rPr>
               <a:t>Car</a:t>
             </a:r>
-            <a:endParaRPr lang="ko-KR" altLang="en-US" dirty="0"/>
+            <a:endParaRPr lang="ko-KR" altLang="en-US" sz="1400" dirty="0">
+              <a:latin typeface="Arial Unicode MS" pitchFamily="50" charset="-127"/>
+              <a:ea typeface="Arial Unicode MS" pitchFamily="50" charset="-127"/>
+              <a:cs typeface="Arial Unicode MS" pitchFamily="50" charset="-127"/>
+            </a:endParaRPr>
           </a:p>
         </p:txBody>
       </p:sp>
@@ -5633,7 +5759,7 @@
         </p:nvSpPr>
         <p:spPr>
           <a:xfrm>
-            <a:off x="6012160" y="2636912"/>
+            <a:off x="6228184" y="2780928"/>
             <a:ext cx="1152128" cy="1152128"/>
           </a:xfrm>
           <a:prstGeom prst="ellipse">
@@ -5643,13 +5769,11 @@
             <a:schemeClr val="tx2">
               <a:lumMod val="40000"/>
               <a:lumOff val="60000"/>
-              <a:alpha val="70000"/>
+              <a:alpha val="84000"/>
             </a:schemeClr>
           </a:solidFill>
           <a:ln>
-            <a:solidFill>
-              <a:srgbClr val="5E89BE"/>
-            </a:solidFill>
+            <a:noFill/>
           </a:ln>
         </p:spPr>
         <p:style>
@@ -5674,10 +5798,18 @@
           <a:p>
             <a:pPr algn="ctr"/>
             <a:r>
-              <a:rPr lang="en-US" altLang="ko-KR" dirty="0" smtClean="0"/>
+              <a:rPr lang="en-US" altLang="ko-KR" sz="1400" dirty="0" smtClean="0">
+                <a:latin typeface="Arial Unicode MS" pitchFamily="50" charset="-127"/>
+                <a:ea typeface="Arial Unicode MS" pitchFamily="50" charset="-127"/>
+                <a:cs typeface="Arial Unicode MS" pitchFamily="50" charset="-127"/>
+              </a:rPr>
               <a:t>Method</a:t>
             </a:r>
-            <a:endParaRPr lang="ko-KR" altLang="en-US" dirty="0"/>
+            <a:endParaRPr lang="ko-KR" altLang="en-US" sz="1400" dirty="0">
+              <a:latin typeface="Arial Unicode MS" pitchFamily="50" charset="-127"/>
+              <a:ea typeface="Arial Unicode MS" pitchFamily="50" charset="-127"/>
+              <a:cs typeface="Arial Unicode MS" pitchFamily="50" charset="-127"/>
+            </a:endParaRPr>
           </a:p>
         </p:txBody>
       </p:sp>
@@ -5689,7 +5821,7 @@
         </p:nvSpPr>
         <p:spPr>
           <a:xfrm>
-            <a:off x="6012160" y="4005064"/>
+            <a:off x="6228184" y="4077072"/>
             <a:ext cx="1152128" cy="1152128"/>
           </a:xfrm>
           <a:prstGeom prst="ellipse">
@@ -5697,13 +5829,11 @@
           </a:prstGeom>
           <a:solidFill>
             <a:srgbClr val="C00000">
-              <a:alpha val="80000"/>
+              <a:alpha val="70000"/>
             </a:srgbClr>
           </a:solidFill>
           <a:ln>
-            <a:solidFill>
-              <a:srgbClr val="FF0000"/>
-            </a:solidFill>
+            <a:noFill/>
           </a:ln>
         </p:spPr>
         <p:style>
@@ -5728,216 +5858,18 @@
           <a:p>
             <a:pPr algn="ctr"/>
             <a:r>
-              <a:rPr lang="en-US" altLang="ko-KR" dirty="0" smtClean="0"/>
+              <a:rPr lang="en-US" altLang="ko-KR" sz="1400" dirty="0" smtClean="0">
+                <a:latin typeface="Arial Unicode MS" pitchFamily="50" charset="-127"/>
+                <a:ea typeface="Arial Unicode MS" pitchFamily="50" charset="-127"/>
+                <a:cs typeface="Arial Unicode MS" pitchFamily="50" charset="-127"/>
+              </a:rPr>
               <a:t>Price</a:t>
             </a:r>
-            <a:endParaRPr lang="ko-KR" altLang="en-US" dirty="0"/>
-          </a:p>
-        </p:txBody>
-      </p:sp>
-      <p:cxnSp>
-        <p:nvCxnSpPr>
-          <p:cNvPr id="21" name="직선 화살표 연결선 20"/>
-          <p:cNvCxnSpPr>
-            <a:stCxn id="15" idx="6"/>
-          </p:cNvCxnSpPr>
-          <p:nvPr/>
-        </p:nvCxnSpPr>
-        <p:spPr>
-          <a:xfrm>
-            <a:off x="5724128" y="4437112"/>
-            <a:ext cx="288032" cy="0"/>
-          </a:xfrm>
-          <a:prstGeom prst="straightConnector1">
-            <a:avLst/>
-          </a:prstGeom>
-          <a:ln>
-            <a:tailEnd type="arrow"/>
-          </a:ln>
-        </p:spPr>
-        <p:style>
-          <a:lnRef idx="1">
-            <a:schemeClr val="accent1"/>
-          </a:lnRef>
-          <a:fillRef idx="0">
-            <a:schemeClr val="accent1"/>
-          </a:fillRef>
-          <a:effectRef idx="0">
-            <a:schemeClr val="accent1"/>
-          </a:effectRef>
-          <a:fontRef idx="minor">
-            <a:schemeClr val="tx1"/>
-          </a:fontRef>
-        </p:style>
-      </p:cxnSp>
-      <p:cxnSp>
-        <p:nvCxnSpPr>
-          <p:cNvPr id="22" name="직선 화살표 연결선 21"/>
-          <p:cNvCxnSpPr/>
-          <p:nvPr/>
-        </p:nvCxnSpPr>
-        <p:spPr>
-          <a:xfrm flipV="1">
-            <a:off x="6084168" y="5013176"/>
-            <a:ext cx="193434" cy="337450"/>
-          </a:xfrm>
-          <a:prstGeom prst="straightConnector1">
-            <a:avLst/>
-          </a:prstGeom>
-          <a:ln>
-            <a:tailEnd type="arrow"/>
-          </a:ln>
-        </p:spPr>
-        <p:style>
-          <a:lnRef idx="1">
-            <a:schemeClr val="accent1"/>
-          </a:lnRef>
-          <a:fillRef idx="0">
-            <a:schemeClr val="accent1"/>
-          </a:fillRef>
-          <a:effectRef idx="0">
-            <a:schemeClr val="accent1"/>
-          </a:effectRef>
-          <a:fontRef idx="minor">
-            <a:schemeClr val="tx1"/>
-          </a:fontRef>
-        </p:style>
-      </p:cxnSp>
-      <p:cxnSp>
-        <p:nvCxnSpPr>
-          <p:cNvPr id="23" name="직선 화살표 연결선 22"/>
-          <p:cNvCxnSpPr>
-            <a:stCxn id="19" idx="4"/>
-            <a:endCxn id="20" idx="0"/>
-          </p:cNvCxnSpPr>
-          <p:nvPr/>
-        </p:nvCxnSpPr>
-        <p:spPr>
-          <a:xfrm>
-            <a:off x="6588224" y="3789040"/>
-            <a:ext cx="0" cy="216024"/>
-          </a:xfrm>
-          <a:prstGeom prst="straightConnector1">
-            <a:avLst/>
-          </a:prstGeom>
-          <a:ln>
-            <a:tailEnd type="arrow"/>
-          </a:ln>
-        </p:spPr>
-        <p:style>
-          <a:lnRef idx="1">
-            <a:schemeClr val="accent1"/>
-          </a:lnRef>
-          <a:fillRef idx="0">
-            <a:schemeClr val="accent1"/>
-          </a:fillRef>
-          <a:effectRef idx="0">
-            <a:schemeClr val="accent1"/>
-          </a:effectRef>
-          <a:fontRef idx="minor">
-            <a:schemeClr val="tx1"/>
-          </a:fontRef>
-        </p:style>
-      </p:cxnSp>
-      <p:cxnSp>
-        <p:nvCxnSpPr>
-          <p:cNvPr id="24" name="직선 화살표 연결선 23"/>
-          <p:cNvCxnSpPr>
-            <a:stCxn id="18" idx="2"/>
-            <a:endCxn id="20" idx="6"/>
-          </p:cNvCxnSpPr>
-          <p:nvPr/>
-        </p:nvCxnSpPr>
-        <p:spPr>
-          <a:xfrm flipH="1">
-            <a:off x="7164288" y="4437112"/>
-            <a:ext cx="432048" cy="144016"/>
-          </a:xfrm>
-          <a:prstGeom prst="straightConnector1">
-            <a:avLst/>
-          </a:prstGeom>
-          <a:ln>
-            <a:tailEnd type="arrow"/>
-          </a:ln>
-        </p:spPr>
-        <p:style>
-          <a:lnRef idx="1">
-            <a:schemeClr val="accent1"/>
-          </a:lnRef>
-          <a:fillRef idx="0">
-            <a:schemeClr val="accent1"/>
-          </a:fillRef>
-          <a:effectRef idx="0">
-            <a:schemeClr val="accent1"/>
-          </a:effectRef>
-          <a:fontRef idx="minor">
-            <a:schemeClr val="tx1"/>
-          </a:fontRef>
-        </p:style>
-      </p:cxnSp>
-      <p:cxnSp>
-        <p:nvCxnSpPr>
-          <p:cNvPr id="25" name="직선 화살표 연결선 24"/>
-          <p:cNvCxnSpPr>
-            <a:stCxn id="17" idx="1"/>
-            <a:endCxn id="20" idx="5"/>
-          </p:cNvCxnSpPr>
-          <p:nvPr/>
-        </p:nvCxnSpPr>
-        <p:spPr>
-          <a:xfrm flipH="1" flipV="1">
-            <a:off x="6995563" y="4988467"/>
-            <a:ext cx="265442" cy="265442"/>
-          </a:xfrm>
-          <a:prstGeom prst="straightConnector1">
-            <a:avLst/>
-          </a:prstGeom>
-          <a:ln>
-            <a:tailEnd type="arrow"/>
-          </a:ln>
-        </p:spPr>
-        <p:style>
-          <a:lnRef idx="1">
-            <a:schemeClr val="accent1"/>
-          </a:lnRef>
-          <a:fillRef idx="0">
-            <a:schemeClr val="accent1"/>
-          </a:fillRef>
-          <a:effectRef idx="0">
-            <a:schemeClr val="accent1"/>
-          </a:effectRef>
-          <a:fontRef idx="minor">
-            <a:schemeClr val="tx1"/>
-          </a:fontRef>
-        </p:style>
-      </p:cxnSp>
-      <p:sp>
-        <p:nvSpPr>
-          <p:cNvPr id="26" name="TextBox 25"/>
-          <p:cNvSpPr txBox="1"/>
-          <p:nvPr/>
-        </p:nvSpPr>
-        <p:spPr>
-          <a:xfrm>
-            <a:off x="6372200" y="5805264"/>
-            <a:ext cx="936104" cy="584775"/>
-          </a:xfrm>
-          <a:prstGeom prst="rect">
-            <a:avLst/>
-          </a:prstGeom>
-          <a:noFill/>
-        </p:spPr>
-        <p:txBody>
-          <a:bodyPr wrap="square" rtlCol="0">
-            <a:spAutoFit/>
-          </a:bodyPr>
-          <a:lstStyle/>
-          <a:p>
-            <a:r>
-              <a:rPr lang="en-US" altLang="ko-KR" sz="3200" dirty="0" smtClean="0"/>
-              <a:t>…</a:t>
-            </a:r>
-            <a:endParaRPr lang="ko-KR" altLang="en-US" sz="3200" dirty="0"/>
+            <a:endParaRPr lang="ko-KR" altLang="en-US" sz="1400" dirty="0">
+              <a:latin typeface="Arial Unicode MS" pitchFamily="50" charset="-127"/>
+              <a:ea typeface="Arial Unicode MS" pitchFamily="50" charset="-127"/>
+              <a:cs typeface="Arial Unicode MS" pitchFamily="50" charset="-127"/>
+            </a:endParaRPr>
           </a:p>
         </p:txBody>
       </p:sp>
@@ -5949,7 +5881,7 @@
         </p:nvSpPr>
         <p:spPr>
           <a:xfrm>
-            <a:off x="5220072" y="5157192"/>
+            <a:off x="5220072" y="4797152"/>
             <a:ext cx="1152128" cy="1152128"/>
           </a:xfrm>
           <a:prstGeom prst="ellipse">
@@ -5959,13 +5891,11 @@
             <a:schemeClr val="tx2">
               <a:lumMod val="40000"/>
               <a:lumOff val="60000"/>
-              <a:alpha val="70000"/>
+              <a:alpha val="84000"/>
             </a:schemeClr>
           </a:solidFill>
           <a:ln>
-            <a:solidFill>
-              <a:srgbClr val="5E89BE"/>
-            </a:solidFill>
+            <a:noFill/>
           </a:ln>
         </p:spPr>
         <p:style>
@@ -5990,13 +5920,139 @@
           <a:p>
             <a:pPr algn="ctr"/>
             <a:r>
-              <a:rPr lang="en-US" altLang="ko-KR" dirty="0" smtClean="0"/>
+              <a:rPr lang="en-US" altLang="ko-KR" sz="1400" dirty="0" smtClean="0">
+                <a:latin typeface="Arial Unicode MS" pitchFamily="50" charset="-127"/>
+                <a:ea typeface="Arial Unicode MS" pitchFamily="50" charset="-127"/>
+                <a:cs typeface="Arial Unicode MS" pitchFamily="50" charset="-127"/>
+              </a:rPr>
               <a:t>Type</a:t>
             </a:r>
-            <a:endParaRPr lang="ko-KR" altLang="en-US" dirty="0"/>
+            <a:endParaRPr lang="ko-KR" altLang="en-US" sz="1400" dirty="0">
+              <a:latin typeface="Arial Unicode MS" pitchFamily="50" charset="-127"/>
+              <a:ea typeface="Arial Unicode MS" pitchFamily="50" charset="-127"/>
+              <a:cs typeface="Arial Unicode MS" pitchFamily="50" charset="-127"/>
+            </a:endParaRPr>
           </a:p>
         </p:txBody>
       </p:sp>
+      <p:sp>
+        <p:nvSpPr>
+          <p:cNvPr id="67" name="타원 66"/>
+          <p:cNvSpPr/>
+          <p:nvPr/>
+        </p:nvSpPr>
+        <p:spPr>
+          <a:xfrm>
+            <a:off x="7740352" y="3212976"/>
+            <a:ext cx="1152128" cy="1152128"/>
+          </a:xfrm>
+          <a:prstGeom prst="ellipse">
+            <a:avLst/>
+          </a:prstGeom>
+          <a:solidFill>
+            <a:schemeClr val="tx2">
+              <a:lumMod val="40000"/>
+              <a:lumOff val="60000"/>
+              <a:alpha val="84000"/>
+            </a:schemeClr>
+          </a:solidFill>
+          <a:ln>
+            <a:noFill/>
+          </a:ln>
+        </p:spPr>
+        <p:style>
+          <a:lnRef idx="2">
+            <a:schemeClr val="accent1">
+              <a:shade val="50000"/>
+            </a:schemeClr>
+          </a:lnRef>
+          <a:fillRef idx="1">
+            <a:schemeClr val="accent1"/>
+          </a:fillRef>
+          <a:effectRef idx="0">
+            <a:schemeClr val="accent1"/>
+          </a:effectRef>
+          <a:fontRef idx="minor">
+            <a:schemeClr val="lt1"/>
+          </a:fontRef>
+        </p:style>
+        <p:txBody>
+          <a:bodyPr rtlCol="0" anchor="ctr"/>
+          <a:lstStyle/>
+          <a:p>
+            <a:pPr algn="ctr"/>
+            <a:r>
+              <a:rPr lang="en-US" altLang="ko-KR" sz="1500" dirty="0" err="1" smtClean="0">
+                <a:latin typeface="Arial Unicode MS" pitchFamily="50" charset="-127"/>
+                <a:ea typeface="Arial Unicode MS" pitchFamily="50" charset="-127"/>
+                <a:cs typeface="Arial Unicode MS" pitchFamily="50" charset="-127"/>
+              </a:rPr>
+              <a:t>Lattitu</a:t>
+            </a:r>
+            <a:r>
+              <a:rPr lang="en-US" altLang="ko-KR" sz="1500" dirty="0" smtClean="0">
+                <a:latin typeface="Arial Unicode MS" pitchFamily="50" charset="-127"/>
+                <a:ea typeface="Arial Unicode MS" pitchFamily="50" charset="-127"/>
+                <a:cs typeface="Arial Unicode MS" pitchFamily="50" charset="-127"/>
+              </a:rPr>
+              <a:t>-</a:t>
+            </a:r>
+          </a:p>
+          <a:p>
+            <a:pPr algn="ctr"/>
+            <a:r>
+              <a:rPr lang="en-US" altLang="ko-KR" sz="1500" dirty="0" smtClean="0">
+                <a:latin typeface="Arial Unicode MS" pitchFamily="50" charset="-127"/>
+                <a:ea typeface="Arial Unicode MS" pitchFamily="50" charset="-127"/>
+                <a:cs typeface="Arial Unicode MS" pitchFamily="50" charset="-127"/>
+              </a:rPr>
+              <a:t>de</a:t>
+            </a:r>
+            <a:endParaRPr lang="ko-KR" altLang="en-US" sz="1500" dirty="0">
+              <a:latin typeface="Arial Unicode MS" pitchFamily="50" charset="-127"/>
+              <a:ea typeface="Arial Unicode MS" pitchFamily="50" charset="-127"/>
+              <a:cs typeface="Arial Unicode MS" pitchFamily="50" charset="-127"/>
+            </a:endParaRPr>
+          </a:p>
+        </p:txBody>
+      </p:sp>
+      <p:cxnSp>
+        <p:nvCxnSpPr>
+          <p:cNvPr id="69" name="직선 연결선 68"/>
+          <p:cNvCxnSpPr/>
+          <p:nvPr/>
+        </p:nvCxnSpPr>
+        <p:spPr>
+          <a:xfrm>
+            <a:off x="539552" y="1700808"/>
+            <a:ext cx="7704856" cy="0"/>
+          </a:xfrm>
+          <a:prstGeom prst="line">
+            <a:avLst/>
+          </a:prstGeom>
+          <a:ln w="19050">
+            <a:solidFill>
+              <a:schemeClr val="bg1">
+                <a:lumMod val="50000"/>
+              </a:schemeClr>
+            </a:solidFill>
+          </a:ln>
+        </p:spPr>
+        <p:style>
+          <a:lnRef idx="1">
+            <a:schemeClr val="accent1"/>
+          </a:lnRef>
+          <a:fillRef idx="0">
+            <a:schemeClr val="accent1"/>
+          </a:fillRef>
+          <a:effectRef idx="0">
+            <a:schemeClr val="accent1"/>
+          </a:effectRef>
+          <a:fontRef idx="minor">
+            <a:schemeClr val="tx1"/>
+          </a:fontRef>
+        </p:style>
+      </p:cxnSp>
     </p:spTree>
   </p:cSld>
   <p:clrMapOvr>
@@ -8151,7 +8207,7 @@
                 <a:latin typeface="HY그래픽M" pitchFamily="18" charset="-127"/>
                 <a:ea typeface="HY그래픽M" pitchFamily="18" charset="-127"/>
               </a:rPr>
-              <a:t>를 함</a:t>
+              <a:t>를 진행함</a:t>
             </a:r>
             <a:endParaRPr lang="en-US" altLang="ko-KR" sz="1600" b="1" dirty="0" smtClean="0">
               <a:latin typeface="HY그래픽M" pitchFamily="18" charset="-127"/>
@@ -8264,8 +8320,8 @@
         </p:nvSpPr>
         <p:spPr>
           <a:xfrm>
-            <a:off x="5292080" y="2780928"/>
-            <a:ext cx="3456384" cy="3384376"/>
+            <a:off x="395536" y="2924944"/>
+            <a:ext cx="8352928" cy="3240360"/>
           </a:xfrm>
           <a:prstGeom prst="rect">
             <a:avLst/>
@@ -8311,37 +8367,7 @@
                 <a:latin typeface="HY그래픽M" pitchFamily="18" charset="-127"/>
                 <a:ea typeface="HY그래픽M" pitchFamily="18" charset="-127"/>
               </a:rPr>
-              <a:t>  </a:t>
-            </a:r>
-            <a:r>
-              <a:rPr lang="ko-KR" altLang="en-US" sz="1400" dirty="0" smtClean="0">
-                <a:solidFill>
-                  <a:schemeClr val="tx1"/>
-                </a:solidFill>
-                <a:latin typeface="HY그래픽M" pitchFamily="18" charset="-127"/>
-                <a:ea typeface="HY그래픽M" pitchFamily="18" charset="-127"/>
-              </a:rPr>
-              <a:t>처음으로</a:t>
-            </a:r>
-            <a:r>
-              <a:rPr lang="en-US" altLang="ko-KR" sz="1400" dirty="0" smtClean="0">
-                <a:solidFill>
-                  <a:schemeClr val="tx1"/>
-                </a:solidFill>
-                <a:latin typeface="HY그래픽M" pitchFamily="18" charset="-127"/>
-                <a:ea typeface="HY그래픽M" pitchFamily="18" charset="-127"/>
-              </a:rPr>
-              <a:t>. </a:t>
-            </a:r>
-            <a:r>
-              <a:rPr lang="en-US" altLang="ko-KR" sz="1400" b="1" dirty="0" err="1" smtClean="0">
-                <a:solidFill>
-                  <a:schemeClr val="tx1"/>
-                </a:solidFill>
-                <a:latin typeface="HY그래픽M" pitchFamily="18" charset="-127"/>
-                <a:ea typeface="HY그래픽M" pitchFamily="18" charset="-127"/>
-              </a:rPr>
-              <a:t>RandomForest</a:t>
+              <a:t>  Random Forest</a:t>
             </a:r>
             <a:r>
               <a:rPr lang="ko-KR" altLang="en-US" sz="1400" dirty="0" smtClean="0">
@@ -8415,10 +8441,10 @@
                 <a:ea typeface="HY그래픽M" pitchFamily="18" charset="-127"/>
                 <a:sym typeface="Wingdings" pitchFamily="2" charset="2"/>
               </a:rPr>
-              <a:t> </a:t>
-            </a:r>
-            <a:r>
-              <a:rPr lang="en-US" altLang="ko-KR" sz="1400" dirty="0" err="1" smtClean="0">
+              <a:t> Random Forest</a:t>
+            </a:r>
+            <a:r>
+              <a:rPr lang="ko-KR" altLang="en-US" sz="1400" dirty="0" smtClean="0">
                 <a:solidFill>
                   <a:schemeClr val="tx1"/>
                 </a:solidFill>
@@ -8426,7 +8452,7 @@
                 <a:ea typeface="HY그래픽M" pitchFamily="18" charset="-127"/>
                 <a:sym typeface="Wingdings" pitchFamily="2" charset="2"/>
               </a:rPr>
-              <a:t>RandomForest</a:t>
+              <a:t>에 사용</a:t>
             </a:r>
             <a:r>
               <a:rPr lang="ko-KR" altLang="en-US" sz="1400" dirty="0" smtClean="0">
@@ -8437,10 +8463,10 @@
                 <a:ea typeface="HY그래픽M" pitchFamily="18" charset="-127"/>
                 <a:sym typeface="Wingdings" pitchFamily="2" charset="2"/>
               </a:rPr>
-              <a:t>에 사용</a:t>
-            </a:r>
-            <a:r>
-              <a:rPr lang="ko-KR" altLang="en-US" sz="1400" dirty="0" smtClean="0">
+              <a:t>된 변수 </a:t>
+            </a:r>
+            <a:r>
+              <a:rPr lang="en-US" altLang="ko-KR" sz="1400" dirty="0" smtClean="0">
                 <a:solidFill>
                   <a:schemeClr val="tx1"/>
                 </a:solidFill>
@@ -8448,31 +8474,7 @@
                 <a:ea typeface="HY그래픽M" pitchFamily="18" charset="-127"/>
                 <a:sym typeface="Wingdings" pitchFamily="2" charset="2"/>
               </a:rPr>
-              <a:t>된 변수 </a:t>
-            </a:r>
-            <a:r>
-              <a:rPr lang="en-US" altLang="ko-KR" sz="1400" dirty="0" smtClean="0">
-                <a:solidFill>
-                  <a:schemeClr val="tx1"/>
-                </a:solidFill>
-                <a:latin typeface="HY그래픽M" pitchFamily="18" charset="-127"/>
-                <a:ea typeface="HY그래픽M" pitchFamily="18" charset="-127"/>
-                <a:sym typeface="Wingdings" pitchFamily="2" charset="2"/>
-              </a:rPr>
-              <a:t>:</a:t>
-            </a:r>
-          </a:p>
-          <a:p>
-            <a:r>
-              <a:rPr lang="en-US" altLang="ko-KR" sz="1400" dirty="0" smtClean="0">
-                <a:solidFill>
-                  <a:schemeClr val="tx1"/>
-                </a:solidFill>
-                <a:latin typeface="HY그래픽M" pitchFamily="18" charset="-127"/>
-                <a:ea typeface="HY그래픽M" pitchFamily="18" charset="-127"/>
-                <a:sym typeface="Wingdings" pitchFamily="2" charset="2"/>
-              </a:rPr>
-              <a:t>Suburb, Rooms, Type, Method,            </a:t>
+              <a:t>: Suburb, Rooms, Type, Method, </a:t>
             </a:r>
             <a:r>
               <a:rPr lang="en-US" altLang="ko-KR" sz="1400" dirty="0" err="1" smtClean="0">
@@ -8587,6 +8589,17 @@
               <a:t> </a:t>
             </a:r>
             <a:r>
+              <a:rPr lang="en-US" altLang="ko-KR" sz="1400" dirty="0" smtClean="0">
+                <a:solidFill>
+                  <a:schemeClr val="tx1"/>
+                </a:solidFill>
+                <a:latin typeface="HY그래픽M" pitchFamily="18" charset="-127"/>
+                <a:ea typeface="HY그래픽M" pitchFamily="18" charset="-127"/>
+                <a:sym typeface="Wingdings" pitchFamily="2" charset="2"/>
+              </a:rPr>
+              <a:t> </a:t>
+            </a:r>
+            <a:r>
               <a:rPr lang="ko-KR" altLang="en-US" sz="1400" dirty="0" smtClean="0">
                 <a:solidFill>
                   <a:schemeClr val="tx1"/>
@@ -8620,7 +8633,7 @@
               <a:t>을 한 후에 </a:t>
             </a:r>
             <a:r>
-              <a:rPr lang="en-US" altLang="ko-KR" sz="1400" dirty="0" err="1" smtClean="0">
+              <a:rPr lang="en-US" altLang="ko-KR" sz="1400" dirty="0" smtClean="0">
                 <a:solidFill>
                   <a:schemeClr val="tx1"/>
                 </a:solidFill>
@@ -8628,7 +8641,7 @@
                 <a:ea typeface="HY그래픽M" pitchFamily="18" charset="-127"/>
                 <a:sym typeface="Wingdings" pitchFamily="2" charset="2"/>
               </a:rPr>
-              <a:t>RandomForest</a:t>
+              <a:t>Random Forest</a:t>
             </a:r>
             <a:r>
               <a:rPr lang="ko-KR" altLang="en-US" sz="1400" dirty="0" smtClean="0">
@@ -8639,7 +8652,7 @@
                 <a:ea typeface="HY그래픽M" pitchFamily="18" charset="-127"/>
                 <a:sym typeface="Wingdings" pitchFamily="2" charset="2"/>
               </a:rPr>
-              <a:t>에 적용하였음</a:t>
+              <a:t>에 적용함</a:t>
             </a:r>
             <a:endParaRPr lang="en-US" altLang="ko-KR" sz="1400" dirty="0" smtClean="0">
               <a:solidFill>
@@ -8678,10 +8691,10 @@
                 <a:ea typeface="HY그래픽M" pitchFamily="18" charset="-127"/>
                 <a:sym typeface="Wingdings" pitchFamily="2" charset="2"/>
               </a:rPr>
-              <a:t> </a:t>
-            </a:r>
-            <a:r>
-              <a:rPr lang="en-US" altLang="ko-KR" sz="1400" dirty="0" err="1" smtClean="0">
+              <a:t>  Random Forest </a:t>
+            </a:r>
+            <a:r>
+              <a:rPr lang="ko-KR" altLang="en-US" sz="1400" dirty="0" smtClean="0">
                 <a:solidFill>
                   <a:schemeClr val="tx1"/>
                 </a:solidFill>
@@ -8689,7 +8702,18 @@
                 <a:ea typeface="HY그래픽M" pitchFamily="18" charset="-127"/>
                 <a:sym typeface="Wingdings" pitchFamily="2" charset="2"/>
               </a:rPr>
-              <a:t>RandomForest</a:t>
+              <a:t>모델의 </a:t>
+            </a:r>
+            <a:r>
+              <a:rPr lang="en-US" altLang="ko-KR" sz="1400" dirty="0" smtClean="0">
+                <a:solidFill>
+                  <a:schemeClr val="tx1"/>
+                </a:solidFill>
+                <a:latin typeface="HY그래픽M" pitchFamily="18" charset="-127"/>
+                <a:ea typeface="HY그래픽M" pitchFamily="18" charset="-127"/>
+                <a:sym typeface="Wingdings" pitchFamily="2" charset="2"/>
+              </a:rPr>
+              <a:t>RMSE</a:t>
             </a:r>
             <a:r>
               <a:rPr lang="ko-KR" altLang="en-US" sz="1400" dirty="0" smtClean="0">
@@ -8700,7 +8724,7 @@
                 <a:ea typeface="HY그래픽M" pitchFamily="18" charset="-127"/>
                 <a:sym typeface="Wingdings" pitchFamily="2" charset="2"/>
               </a:rPr>
-              <a:t>의 예측률을 </a:t>
+              <a:t>와 </a:t>
             </a:r>
             <a:r>
               <a:rPr lang="en-US" altLang="ko-KR" sz="1400" dirty="0" smtClean="0">
@@ -8711,7 +8735,18 @@
                 <a:ea typeface="HY그래픽M" pitchFamily="18" charset="-127"/>
                 <a:sym typeface="Wingdings" pitchFamily="2" charset="2"/>
               </a:rPr>
-              <a:t> </a:t>
+              <a:t>Prediction Error</a:t>
+            </a:r>
+            <a:r>
+              <a:rPr lang="ko-KR" altLang="en-US" sz="1400" dirty="0" smtClean="0">
+                <a:solidFill>
+                  <a:schemeClr val="tx1"/>
+                </a:solidFill>
+                <a:latin typeface="HY그래픽M" pitchFamily="18" charset="-127"/>
+                <a:ea typeface="HY그래픽M" pitchFamily="18" charset="-127"/>
+                <a:sym typeface="Wingdings" pitchFamily="2" charset="2"/>
+              </a:rPr>
+              <a:t>값을</a:t>
             </a:r>
             <a:endParaRPr lang="en-US" altLang="ko-KR" sz="1400" dirty="0" smtClean="0">
               <a:solidFill>
@@ -8723,12 +8758,45 @@
             </a:endParaRPr>
           </a:p>
           <a:p>
+            <a:r>
+              <a:rPr lang="en-US" altLang="ko-KR" sz="1400" dirty="0" smtClean="0">
+                <a:solidFill>
+                  <a:schemeClr val="tx1"/>
+                </a:solidFill>
+                <a:latin typeface="HY그래픽M" pitchFamily="18" charset="-127"/>
+                <a:ea typeface="HY그래픽M" pitchFamily="18" charset="-127"/>
+                <a:sym typeface="Wingdings" pitchFamily="2" charset="2"/>
+              </a:rPr>
+              <a:t> </a:t>
+            </a:r>
+            <a:r>
+              <a:rPr lang="ko-KR" altLang="en-US" sz="1400" dirty="0" smtClean="0">
+                <a:solidFill>
+                  <a:schemeClr val="tx1"/>
+                </a:solidFill>
+                <a:latin typeface="HY그래픽M" pitchFamily="18" charset="-127"/>
+                <a:ea typeface="HY그래픽M" pitchFamily="18" charset="-127"/>
+                <a:sym typeface="Wingdings" pitchFamily="2" charset="2"/>
+              </a:rPr>
+              <a:t>확인하였음 </a:t>
+            </a:r>
             <a:endParaRPr lang="en-US" altLang="ko-KR" sz="1400" dirty="0" smtClean="0">
               <a:solidFill>
                 <a:schemeClr val="tx1"/>
               </a:solidFill>
               <a:latin typeface="HY그래픽M" pitchFamily="18" charset="-127"/>
               <a:ea typeface="HY그래픽M" pitchFamily="18" charset="-127"/>
+              <a:sym typeface="Wingdings" pitchFamily="2" charset="2"/>
+            </a:endParaRPr>
+          </a:p>
+          <a:p>
+            <a:endParaRPr lang="en-US" altLang="ko-KR" sz="1400" dirty="0" smtClean="0">
+              <a:solidFill>
+                <a:schemeClr val="tx1"/>
+              </a:solidFill>
+              <a:latin typeface="HY그래픽M" pitchFamily="18" charset="-127"/>
+              <a:ea typeface="HY그래픽M" pitchFamily="18" charset="-127"/>
+              <a:sym typeface="Wingdings" pitchFamily="2" charset="2"/>
             </a:endParaRPr>
           </a:p>
           <a:p>
@@ -8800,8 +8868,8 @@
           <p:nvPr/>
         </p:nvGraphicFramePr>
         <p:xfrm>
-          <a:off x="467544" y="1124744"/>
-          <a:ext cx="4608512" cy="1512168"/>
+          <a:off x="2555776" y="1052736"/>
+          <a:ext cx="3960440" cy="1512168"/>
         </p:xfrm>
         <a:graphic>
           <a:graphicData uri="http://schemas.openxmlformats.org/drawingml/2006/table">
@@ -8810,7 +8878,7 @@
                 <a:tableStyleId>{5C22544A-7EE6-4342-B048-85BDC9FD1C3A}</a:tableStyleId>
               </a:tblPr>
               <a:tblGrid>
-                <a:gridCol w="4608512"/>
+                <a:gridCol w="3960440"/>
               </a:tblGrid>
               <a:tr h="378042">
                 <a:tc>
@@ -8830,6 +8898,7 @@
                     <a:solidFill>
                       <a:schemeClr val="bg1">
                         <a:lumMod val="50000"/>
+                        <a:alpha val="80000"/>
                       </a:schemeClr>
                     </a:solidFill>
                   </a:tcPr>
@@ -8858,7 +8927,8 @@
                   <a:tcPr>
                     <a:solidFill>
                       <a:schemeClr val="bg1">
-                        <a:lumMod val="85000"/>
+                        <a:lumMod val="95000"/>
+                        <a:alpha val="72000"/>
                       </a:schemeClr>
                     </a:solidFill>
                   </a:tcPr>
@@ -8893,7 +8963,8 @@
                   <a:tcPr>
                     <a:solidFill>
                       <a:schemeClr val="bg1">
-                        <a:lumMod val="85000"/>
+                        <a:lumMod val="95000"/>
+                        <a:alpha val="72000"/>
                       </a:schemeClr>
                     </a:solidFill>
                   </a:tcPr>
@@ -8920,7 +8991,8 @@
                   <a:tcPr>
                     <a:solidFill>
                       <a:schemeClr val="bg1">
-                        <a:lumMod val="85000"/>
+                        <a:lumMod val="95000"/>
+                        <a:alpha val="72000"/>
                       </a:schemeClr>
                     </a:solidFill>
                   </a:tcPr>
@@ -8939,7 +9011,7 @@
           <p:nvPr/>
         </p:nvGraphicFramePr>
         <p:xfrm>
-          <a:off x="1835696" y="4941168"/>
+          <a:off x="5292080" y="4869160"/>
           <a:ext cx="3240360" cy="1144695"/>
         </p:xfrm>
         <a:graphic>
@@ -9135,11 +9207,11 @@
           <a:lstStyle/>
           <a:p>
             <a:r>
-              <a:rPr lang="en-US" altLang="ko-KR" sz="1600" b="1" dirty="0" err="1" smtClean="0">
-                <a:latin typeface="HY그래픽M" pitchFamily="18" charset="-127"/>
-                <a:ea typeface="HY그래픽M" pitchFamily="18" charset="-127"/>
-              </a:rPr>
-              <a:t>RandomForest</a:t>
+              <a:rPr lang="en-US" altLang="ko-KR" sz="1600" b="1" dirty="0" smtClean="0">
+                <a:latin typeface="HY그래픽M" pitchFamily="18" charset="-127"/>
+                <a:ea typeface="HY그래픽M" pitchFamily="18" charset="-127"/>
+              </a:rPr>
+              <a:t>Random Forest</a:t>
             </a:r>
             <a:r>
               <a:rPr lang="ko-KR" altLang="en-US" sz="1600" b="1" dirty="0" smtClean="0">
@@ -9630,8 +9702,21 @@
                 <a:ea typeface="HY그래픽M" pitchFamily="18" charset="-127"/>
                 <a:sym typeface="Wingdings" pitchFamily="2" charset="2"/>
               </a:rPr>
-              <a:t>을 적용하기에는 </a:t>
-            </a:r>
+              <a:t>을 적용하게 될 경우</a:t>
+            </a:r>
+            <a:r>
+              <a:rPr lang="en-US" altLang="ko-KR" sz="1400" dirty="0" smtClean="0">
+                <a:solidFill>
+                  <a:schemeClr val="tx1"/>
+                </a:solidFill>
+                <a:latin typeface="HY그래픽M" pitchFamily="18" charset="-127"/>
+                <a:ea typeface="HY그래픽M" pitchFamily="18" charset="-127"/>
+                <a:sym typeface="Wingdings" pitchFamily="2" charset="2"/>
+              </a:rPr>
+              <a:t>,</a:t>
+            </a:r>
+          </a:p>
+          <a:p>
             <a:r>
               <a:rPr lang="ko-KR" altLang="en-US" sz="1400" dirty="0" smtClean="0">
                 <a:solidFill>
@@ -9641,18 +9726,7 @@
                 <a:ea typeface="HY그래픽M" pitchFamily="18" charset="-127"/>
                 <a:sym typeface="Wingdings" pitchFamily="2" charset="2"/>
               </a:rPr>
-              <a:t>차원이 </a:t>
-            </a:r>
-            <a:r>
-              <a:rPr lang="ko-KR" altLang="en-US" sz="1400" dirty="0" smtClean="0">
-                <a:solidFill>
-                  <a:schemeClr val="tx1"/>
-                </a:solidFill>
-                <a:latin typeface="HY그래픽M" pitchFamily="18" charset="-127"/>
-                <a:ea typeface="HY그래픽M" pitchFamily="18" charset="-127"/>
-                <a:sym typeface="Wingdings" pitchFamily="2" charset="2"/>
-              </a:rPr>
-              <a:t>많이 늘어나기 </a:t>
+              <a:t>차원이 많이 늘어나기 </a:t>
             </a:r>
             <a:r>
               <a:rPr lang="ko-KR" altLang="en-US" sz="1400" dirty="0" smtClean="0">
@@ -10061,7 +10135,7 @@
         </p:nvCxnSpPr>
         <p:spPr>
           <a:xfrm flipV="1">
-            <a:off x="1187624" y="2492896"/>
+            <a:off x="1187624" y="2420888"/>
             <a:ext cx="4176464" cy="2160240"/>
           </a:xfrm>
           <a:prstGeom prst="line">
@@ -10169,6 +10243,167 @@
           </a:p>
         </p:txBody>
       </p:sp>
+      <p:sp>
+        <p:nvSpPr>
+          <p:cNvPr id="19" name="TextBox 18"/>
+          <p:cNvSpPr txBox="1"/>
+          <p:nvPr/>
+        </p:nvSpPr>
+        <p:spPr>
+          <a:xfrm>
+            <a:off x="2771800" y="4797152"/>
+            <a:ext cx="1008112" cy="292388"/>
+          </a:xfrm>
+          <a:prstGeom prst="rect">
+            <a:avLst/>
+          </a:prstGeom>
+          <a:solidFill>
+            <a:schemeClr val="bg1">
+              <a:lumMod val="95000"/>
+            </a:schemeClr>
+          </a:solidFill>
+        </p:spPr>
+        <p:txBody>
+          <a:bodyPr wrap="square" rtlCol="0">
+            <a:spAutoFit/>
+          </a:bodyPr>
+          <a:lstStyle/>
+          <a:p>
+            <a:r>
+              <a:rPr lang="ko-KR" altLang="en-US" sz="1300" b="1" dirty="0" smtClean="0">
+                <a:latin typeface="HY그래픽M" pitchFamily="18" charset="-127"/>
+                <a:ea typeface="HY그래픽M" pitchFamily="18" charset="-127"/>
+              </a:rPr>
+              <a:t>  예 측 치</a:t>
+            </a:r>
+            <a:endParaRPr lang="ko-KR" altLang="en-US" sz="1300" b="1" dirty="0">
+              <a:latin typeface="HY그래픽M" pitchFamily="18" charset="-127"/>
+              <a:ea typeface="HY그래픽M" pitchFamily="18" charset="-127"/>
+            </a:endParaRPr>
+          </a:p>
+        </p:txBody>
+      </p:sp>
+      <p:sp>
+        <p:nvSpPr>
+          <p:cNvPr id="20" name="TextBox 19"/>
+          <p:cNvSpPr txBox="1"/>
+          <p:nvPr/>
+        </p:nvSpPr>
+        <p:spPr>
+          <a:xfrm flipH="1">
+            <a:off x="539552" y="2708920"/>
+            <a:ext cx="144016" cy="692497"/>
+          </a:xfrm>
+          <a:prstGeom prst="rect">
+            <a:avLst/>
+          </a:prstGeom>
+          <a:solidFill>
+            <a:schemeClr val="bg1"/>
+          </a:solidFill>
+        </p:spPr>
+        <p:txBody>
+          <a:bodyPr wrap="square" rtlCol="0">
+            <a:spAutoFit/>
+          </a:bodyPr>
+          <a:lstStyle/>
+          <a:p>
+            <a:endParaRPr lang="en-US" altLang="ko-KR" sz="1300" b="1" dirty="0" smtClean="0">
+              <a:latin typeface="HY그래픽M" pitchFamily="18" charset="-127"/>
+              <a:ea typeface="HY그래픽M" pitchFamily="18" charset="-127"/>
+            </a:endParaRPr>
+          </a:p>
+          <a:p>
+            <a:endParaRPr lang="en-US" altLang="ko-KR" sz="1300" b="1" dirty="0" smtClean="0">
+              <a:latin typeface="HY그래픽M" pitchFamily="18" charset="-127"/>
+              <a:ea typeface="HY그래픽M" pitchFamily="18" charset="-127"/>
+            </a:endParaRPr>
+          </a:p>
+          <a:p>
+            <a:endParaRPr lang="ko-KR" altLang="en-US" sz="1300" b="1" dirty="0">
+              <a:latin typeface="HY그래픽M" pitchFamily="18" charset="-127"/>
+              <a:ea typeface="HY그래픽M" pitchFamily="18" charset="-127"/>
+            </a:endParaRPr>
+          </a:p>
+        </p:txBody>
+      </p:sp>
+      <p:sp>
+        <p:nvSpPr>
+          <p:cNvPr id="18" name="TextBox 17"/>
+          <p:cNvSpPr txBox="1"/>
+          <p:nvPr/>
+        </p:nvSpPr>
+        <p:spPr>
+          <a:xfrm>
+            <a:off x="288032" y="2492896"/>
+            <a:ext cx="323528" cy="1092607"/>
+          </a:xfrm>
+          <a:prstGeom prst="rect">
+            <a:avLst/>
+          </a:prstGeom>
+          <a:solidFill>
+            <a:schemeClr val="bg1">
+              <a:lumMod val="95000"/>
+            </a:schemeClr>
+          </a:solidFill>
+        </p:spPr>
+        <p:txBody>
+          <a:bodyPr wrap="square" rtlCol="0">
+            <a:spAutoFit/>
+          </a:bodyPr>
+          <a:lstStyle/>
+          <a:p>
+            <a:r>
+              <a:rPr lang="ko-KR" altLang="en-US" sz="1300" b="1" dirty="0" smtClean="0">
+                <a:latin typeface="HY그래픽M" pitchFamily="18" charset="-127"/>
+                <a:ea typeface="HY그래픽M" pitchFamily="18" charset="-127"/>
+              </a:rPr>
+              <a:t>실</a:t>
+            </a:r>
+            <a:endParaRPr lang="en-US" altLang="ko-KR" sz="1300" b="1" dirty="0" smtClean="0">
+              <a:latin typeface="HY그래픽M" pitchFamily="18" charset="-127"/>
+              <a:ea typeface="HY그래픽M" pitchFamily="18" charset="-127"/>
+            </a:endParaRPr>
+          </a:p>
+          <a:p>
+            <a:endParaRPr lang="en-US" altLang="ko-KR" sz="1300" b="1" dirty="0" smtClean="0">
+              <a:latin typeface="HY그래픽M" pitchFamily="18" charset="-127"/>
+              <a:ea typeface="HY그래픽M" pitchFamily="18" charset="-127"/>
+            </a:endParaRPr>
+          </a:p>
+          <a:p>
+            <a:r>
+              <a:rPr lang="ko-KR" altLang="en-US" sz="1300" b="1" dirty="0" smtClean="0">
+                <a:latin typeface="HY그래픽M" pitchFamily="18" charset="-127"/>
+                <a:ea typeface="HY그래픽M" pitchFamily="18" charset="-127"/>
+              </a:rPr>
+              <a:t>측</a:t>
+            </a:r>
+            <a:endParaRPr lang="en-US" altLang="ko-KR" sz="1300" b="1" dirty="0" smtClean="0">
+              <a:latin typeface="HY그래픽M" pitchFamily="18" charset="-127"/>
+              <a:ea typeface="HY그래픽M" pitchFamily="18" charset="-127"/>
+            </a:endParaRPr>
+          </a:p>
+          <a:p>
+            <a:endParaRPr lang="en-US" altLang="ko-KR" sz="1300" b="1" dirty="0" smtClean="0">
+              <a:latin typeface="HY그래픽M" pitchFamily="18" charset="-127"/>
+              <a:ea typeface="HY그래픽M" pitchFamily="18" charset="-127"/>
+            </a:endParaRPr>
+          </a:p>
+          <a:p>
+            <a:r>
+              <a:rPr lang="ko-KR" altLang="en-US" sz="1300" b="1" dirty="0" smtClean="0">
+                <a:latin typeface="HY그래픽M" pitchFamily="18" charset="-127"/>
+                <a:ea typeface="HY그래픽M" pitchFamily="18" charset="-127"/>
+              </a:rPr>
+              <a:t>치</a:t>
+            </a:r>
+            <a:endParaRPr lang="ko-KR" altLang="en-US" sz="1300" b="1" dirty="0">
+              <a:latin typeface="HY그래픽M" pitchFamily="18" charset="-127"/>
+              <a:ea typeface="HY그래픽M" pitchFamily="18" charset="-127"/>
+            </a:endParaRPr>
+          </a:p>
+        </p:txBody>
+      </p:sp>
     </p:spTree>
   </p:cSld>
   <p:clrMapOvr>
@@ -11527,48 +11762,6 @@
           </a:prstGeom>
         </p:spPr>
       </p:pic>
-      <p:sp>
-        <p:nvSpPr>
-          <p:cNvPr id="23" name="TextBox 22"/>
-          <p:cNvSpPr txBox="1"/>
-          <p:nvPr/>
-        </p:nvSpPr>
-        <p:spPr>
-          <a:xfrm>
-            <a:off x="7452320" y="2060848"/>
-            <a:ext cx="936104" cy="646331"/>
-          </a:xfrm>
-          <a:prstGeom prst="rect">
-            <a:avLst/>
-          </a:prstGeom>
-          <a:noFill/>
-        </p:spPr>
-        <p:txBody>
-          <a:bodyPr wrap="square" rtlCol="0">
-            <a:spAutoFit/>
-          </a:bodyPr>
-          <a:lstStyle/>
-          <a:p>
-            <a:r>
-              <a:rPr lang="ko-KR" altLang="en-US" dirty="0" smtClean="0"/>
-              <a:t>위도</a:t>
-            </a:r>
-            <a:r>
-              <a:rPr lang="en-US" altLang="ko-KR" dirty="0" smtClean="0"/>
-              <a:t>(</a:t>
-            </a:r>
-            <a:r>
-              <a:rPr lang="ko-KR" altLang="en-US" dirty="0" smtClean="0"/>
-              <a:t>가로</a:t>
-            </a:r>
-            <a:r>
-              <a:rPr lang="en-US" altLang="ko-KR" dirty="0" smtClean="0"/>
-              <a:t>)</a:t>
-            </a:r>
-            <a:endParaRPr lang="ko-KR" altLang="en-US" dirty="0"/>
-          </a:p>
-        </p:txBody>
-      </p:sp>
       <p:sp>
         <p:nvSpPr>
           <p:cNvPr id="24" name="TextBox 23"/>
@@ -12527,8 +12720,8 @@
         </p:nvCxnSpPr>
         <p:spPr>
           <a:xfrm>
-            <a:off x="539552" y="2987079"/>
-            <a:ext cx="5904656" cy="9873"/>
+            <a:off x="611560" y="2996952"/>
+            <a:ext cx="5832648" cy="0"/>
           </a:xfrm>
           <a:prstGeom prst="line">
             <a:avLst/>
@@ -12588,7 +12781,7 @@
                 <a:latin typeface="HY그래픽M" pitchFamily="18" charset="-127"/>
                 <a:ea typeface="HY그래픽M" pitchFamily="18" charset="-127"/>
               </a:rPr>
-              <a:t>의 결과를 확인함</a:t>
+              <a:t>의 결과 변수 중 위도를 시각화를 통해 확인함</a:t>
             </a:r>
             <a:endParaRPr lang="en-US" altLang="ko-KR" sz="1600" b="1" dirty="0" smtClean="0">
               <a:latin typeface="HY그래픽M" pitchFamily="18" charset="-127"/>
@@ -14289,6 +14482,124 @@
           </a:p>
         </p:txBody>
       </p:sp>
+      <p:sp>
+        <p:nvSpPr>
+          <p:cNvPr id="38" name="TextBox 37"/>
+          <p:cNvSpPr txBox="1"/>
+          <p:nvPr/>
+        </p:nvSpPr>
+        <p:spPr>
+          <a:xfrm>
+            <a:off x="0" y="3140968"/>
+            <a:ext cx="251520" cy="1092607"/>
+          </a:xfrm>
+          <a:prstGeom prst="rect">
+            <a:avLst/>
+          </a:prstGeom>
+          <a:solidFill>
+            <a:schemeClr val="bg1">
+              <a:lumMod val="95000"/>
+            </a:schemeClr>
+          </a:solidFill>
+        </p:spPr>
+        <p:txBody>
+          <a:bodyPr wrap="square" rtlCol="0">
+            <a:spAutoFit/>
+          </a:bodyPr>
+          <a:lstStyle/>
+          <a:p>
+            <a:r>
+              <a:rPr lang="ko-KR" altLang="en-US" sz="1300" b="1" dirty="0" smtClean="0">
+                <a:latin typeface="HY그래픽M" pitchFamily="18" charset="-127"/>
+                <a:ea typeface="HY그래픽M" pitchFamily="18" charset="-127"/>
+              </a:rPr>
+              <a:t>예</a:t>
+            </a:r>
+            <a:endParaRPr lang="en-US" altLang="ko-KR" sz="1300" b="1" dirty="0" smtClean="0">
+              <a:latin typeface="HY그래픽M" pitchFamily="18" charset="-127"/>
+              <a:ea typeface="HY그래픽M" pitchFamily="18" charset="-127"/>
+            </a:endParaRPr>
+          </a:p>
+          <a:p>
+            <a:endParaRPr lang="en-US" altLang="ko-KR" sz="1300" b="1" dirty="0" smtClean="0">
+              <a:latin typeface="HY그래픽M" pitchFamily="18" charset="-127"/>
+              <a:ea typeface="HY그래픽M" pitchFamily="18" charset="-127"/>
+            </a:endParaRPr>
+          </a:p>
+          <a:p>
+            <a:r>
+              <a:rPr lang="ko-KR" altLang="en-US" sz="1300" b="1" dirty="0" smtClean="0">
+                <a:latin typeface="HY그래픽M" pitchFamily="18" charset="-127"/>
+                <a:ea typeface="HY그래픽M" pitchFamily="18" charset="-127"/>
+              </a:rPr>
+              <a:t>측</a:t>
+            </a:r>
+            <a:endParaRPr lang="en-US" altLang="ko-KR" sz="1300" b="1" dirty="0" smtClean="0">
+              <a:latin typeface="HY그래픽M" pitchFamily="18" charset="-127"/>
+              <a:ea typeface="HY그래픽M" pitchFamily="18" charset="-127"/>
+            </a:endParaRPr>
+          </a:p>
+          <a:p>
+            <a:endParaRPr lang="en-US" altLang="ko-KR" sz="1300" b="1" dirty="0" smtClean="0">
+              <a:latin typeface="HY그래픽M" pitchFamily="18" charset="-127"/>
+              <a:ea typeface="HY그래픽M" pitchFamily="18" charset="-127"/>
+            </a:endParaRPr>
+          </a:p>
+          <a:p>
+            <a:r>
+              <a:rPr lang="ko-KR" altLang="en-US" sz="1300" b="1" dirty="0" smtClean="0">
+                <a:latin typeface="HY그래픽M" pitchFamily="18" charset="-127"/>
+                <a:ea typeface="HY그래픽M" pitchFamily="18" charset="-127"/>
+              </a:rPr>
+              <a:t>치</a:t>
+            </a:r>
+            <a:endParaRPr lang="ko-KR" altLang="en-US" sz="1300" b="1" dirty="0">
+              <a:latin typeface="HY그래픽M" pitchFamily="18" charset="-127"/>
+              <a:ea typeface="HY그래픽M" pitchFamily="18" charset="-127"/>
+            </a:endParaRPr>
+          </a:p>
+        </p:txBody>
+      </p:sp>
+      <p:sp>
+        <p:nvSpPr>
+          <p:cNvPr id="39" name="TextBox 38"/>
+          <p:cNvSpPr txBox="1"/>
+          <p:nvPr/>
+        </p:nvSpPr>
+        <p:spPr>
+          <a:xfrm>
+            <a:off x="2627784" y="6309320"/>
+            <a:ext cx="1008112" cy="292388"/>
+          </a:xfrm>
+          <a:prstGeom prst="rect">
+            <a:avLst/>
+          </a:prstGeom>
+          <a:solidFill>
+            <a:schemeClr val="bg1">
+              <a:lumMod val="95000"/>
+            </a:schemeClr>
+          </a:solidFill>
+        </p:spPr>
+        <p:txBody>
+          <a:bodyPr wrap="square" rtlCol="0">
+            <a:spAutoFit/>
+          </a:bodyPr>
+          <a:lstStyle/>
+          <a:p>
+            <a:r>
+              <a:rPr lang="ko-KR" altLang="en-US" sz="1300" b="1" dirty="0" smtClean="0">
+                <a:latin typeface="HY그래픽M" pitchFamily="18" charset="-127"/>
+                <a:ea typeface="HY그래픽M" pitchFamily="18" charset="-127"/>
+              </a:rPr>
+              <a:t>  실 측 치</a:t>
+            </a:r>
+            <a:endParaRPr lang="ko-KR" altLang="en-US" sz="1300" b="1" dirty="0">
+              <a:latin typeface="HY그래픽M" pitchFamily="18" charset="-127"/>
+              <a:ea typeface="HY그래픽M" pitchFamily="18" charset="-127"/>
+            </a:endParaRPr>
+          </a:p>
+        </p:txBody>
+      </p:sp>
     </p:spTree>
   </p:cSld>
   <p:clrMapOvr>
